--- a/Project_Design/백승헌/탄막 설계.pptx
+++ b/Project_Design/백승헌/탄막 설계.pptx
@@ -137,7 +137,7 @@
 <file path=ppt/revisionInfo.xml><?xml version="1.0" encoding="utf-8"?>
 <p1510:revInfo xmlns:a="http://schemas.openxmlformats.org/drawingml/2006/main" xmlns:r="http://schemas.openxmlformats.org/officeDocument/2006/relationships" xmlns:p1510="http://schemas.microsoft.com/office/powerpoint/2015/10/main">
   <p1510:revLst>
-    <p1510:client id="{70F84260-645C-4A2F-953E-0AB4E532312D}" v="128" dt="2025-06-22T10:58:17.381"/>
+    <p1510:client id="{70F84260-645C-4A2F-953E-0AB4E532312D}" v="131" dt="2025-06-24T00:49:02.198"/>
   </p1510:revLst>
 </p1510:revInfo>
 </file>
@@ -147,18 +147,18 @@
   <pc:docChgLst>
     <pc:chgData name="승헌 백" userId="931022ae5b107afa" providerId="LiveId" clId="{70F84260-645C-4A2F-953E-0AB4E532312D}"/>
     <pc:docChg chg="undo custSel addSld delSld modSld sldOrd">
-      <pc:chgData name="승헌 백" userId="931022ae5b107afa" providerId="LiveId" clId="{70F84260-645C-4A2F-953E-0AB4E532312D}" dt="2025-06-22T10:58:17.061" v="1186" actId="1076"/>
+      <pc:chgData name="승헌 백" userId="931022ae5b107afa" providerId="LiveId" clId="{70F84260-645C-4A2F-953E-0AB4E532312D}" dt="2025-06-24T00:49:02.198" v="1189" actId="164"/>
       <pc:docMkLst>
         <pc:docMk/>
       </pc:docMkLst>
       <pc:sldChg chg="addSp modSp mod">
-        <pc:chgData name="승헌 백" userId="931022ae5b107afa" providerId="LiveId" clId="{70F84260-645C-4A2F-953E-0AB4E532312D}" dt="2025-06-22T10:56:42.615" v="1144" actId="34136"/>
+        <pc:chgData name="승헌 백" userId="931022ae5b107afa" providerId="LiveId" clId="{70F84260-645C-4A2F-953E-0AB4E532312D}" dt="2025-06-24T00:48:29.027" v="1187" actId="164"/>
         <pc:sldMkLst>
           <pc:docMk/>
           <pc:sldMk cId="2204844256" sldId="256"/>
         </pc:sldMkLst>
         <pc:spChg chg="add mod ord">
-          <ac:chgData name="승헌 백" userId="931022ae5b107afa" providerId="LiveId" clId="{70F84260-645C-4A2F-953E-0AB4E532312D}" dt="2025-06-22T06:31:09.909" v="153" actId="20577"/>
+          <ac:chgData name="승헌 백" userId="931022ae5b107afa" providerId="LiveId" clId="{70F84260-645C-4A2F-953E-0AB4E532312D}" dt="2025-06-24T00:48:29.027" v="1187" actId="164"/>
           <ac:spMkLst>
             <pc:docMk/>
             <pc:sldMk cId="2204844256" sldId="256"/>
@@ -166,13 +166,45 @@
           </ac:spMkLst>
         </pc:spChg>
         <pc:spChg chg="mod">
-          <ac:chgData name="승헌 백" userId="931022ae5b107afa" providerId="LiveId" clId="{70F84260-645C-4A2F-953E-0AB4E532312D}" dt="2025-06-22T10:56:42.615" v="1144" actId="34136"/>
+          <ac:chgData name="승헌 백" userId="931022ae5b107afa" providerId="LiveId" clId="{70F84260-645C-4A2F-953E-0AB4E532312D}" dt="2025-06-24T00:48:29.027" v="1187" actId="164"/>
+          <ac:spMkLst>
+            <pc:docMk/>
+            <pc:sldMk cId="2204844256" sldId="256"/>
+            <ac:spMk id="4" creationId="{946B771B-5E61-6A5E-A820-F7BD12C83916}"/>
+          </ac:spMkLst>
+        </pc:spChg>
+        <pc:spChg chg="mod">
+          <ac:chgData name="승헌 백" userId="931022ae5b107afa" providerId="LiveId" clId="{70F84260-645C-4A2F-953E-0AB4E532312D}" dt="2025-06-24T00:48:29.027" v="1187" actId="164"/>
+          <ac:spMkLst>
+            <pc:docMk/>
+            <pc:sldMk cId="2204844256" sldId="256"/>
+            <ac:spMk id="5" creationId="{2B3C2170-CC03-2E47-4A14-CD1507E79311}"/>
+          </ac:spMkLst>
+        </pc:spChg>
+        <pc:spChg chg="mod">
+          <ac:chgData name="승헌 백" userId="931022ae5b107afa" providerId="LiveId" clId="{70F84260-645C-4A2F-953E-0AB4E532312D}" dt="2025-06-24T00:48:29.027" v="1187" actId="164"/>
+          <ac:spMkLst>
+            <pc:docMk/>
+            <pc:sldMk cId="2204844256" sldId="256"/>
+            <ac:spMk id="6" creationId="{5A2DFC7F-624C-26D6-8DD2-363BDD0541EE}"/>
+          </ac:spMkLst>
+        </pc:spChg>
+        <pc:spChg chg="mod">
+          <ac:chgData name="승헌 백" userId="931022ae5b107afa" providerId="LiveId" clId="{70F84260-645C-4A2F-953E-0AB4E532312D}" dt="2025-06-24T00:48:29.027" v="1187" actId="164"/>
           <ac:spMkLst>
             <pc:docMk/>
             <pc:sldMk cId="2204844256" sldId="256"/>
             <ac:spMk id="7" creationId="{8DF6617B-2D10-5E94-0B04-2CEE842F86C4}"/>
           </ac:spMkLst>
         </pc:spChg>
+        <pc:grpChg chg="add mod">
+          <ac:chgData name="승헌 백" userId="931022ae5b107afa" providerId="LiveId" clId="{70F84260-645C-4A2F-953E-0AB4E532312D}" dt="2025-06-24T00:48:29.027" v="1187" actId="164"/>
+          <ac:grpSpMkLst>
+            <pc:docMk/>
+            <pc:sldMk cId="2204844256" sldId="256"/>
+            <ac:grpSpMk id="3" creationId="{67BCBC09-883C-C115-D882-29AC5F7A6551}"/>
+          </ac:grpSpMkLst>
+        </pc:grpChg>
       </pc:sldChg>
       <pc:sldChg chg="addSp modSp mod">
         <pc:chgData name="승헌 백" userId="931022ae5b107afa" providerId="LiveId" clId="{70F84260-645C-4A2F-953E-0AB4E532312D}" dt="2025-06-22T10:56:48.412" v="1145" actId="34136"/>
@@ -198,13 +230,13 @@
         </pc:spChg>
       </pc:sldChg>
       <pc:sldChg chg="addSp modSp mod">
-        <pc:chgData name="승헌 백" userId="931022ae5b107afa" providerId="LiveId" clId="{70F84260-645C-4A2F-953E-0AB4E532312D}" dt="2025-06-22T10:57:13.015" v="1158" actId="34136"/>
+        <pc:chgData name="승헌 백" userId="931022ae5b107afa" providerId="LiveId" clId="{70F84260-645C-4A2F-953E-0AB4E532312D}" dt="2025-06-24T00:49:02.198" v="1189" actId="164"/>
         <pc:sldMkLst>
           <pc:docMk/>
           <pc:sldMk cId="808472852" sldId="258"/>
         </pc:sldMkLst>
         <pc:spChg chg="add mod ord">
-          <ac:chgData name="승헌 백" userId="931022ae5b107afa" providerId="LiveId" clId="{70F84260-645C-4A2F-953E-0AB4E532312D}" dt="2025-06-22T06:38:07.780" v="283" actId="20577"/>
+          <ac:chgData name="승헌 백" userId="931022ae5b107afa" providerId="LiveId" clId="{70F84260-645C-4A2F-953E-0AB4E532312D}" dt="2025-06-24T00:49:02.198" v="1189" actId="164"/>
           <ac:spMkLst>
             <pc:docMk/>
             <pc:sldMk cId="808472852" sldId="258"/>
@@ -212,13 +244,69 @@
           </ac:spMkLst>
         </pc:spChg>
         <pc:spChg chg="mod">
-          <ac:chgData name="승헌 백" userId="931022ae5b107afa" providerId="LiveId" clId="{70F84260-645C-4A2F-953E-0AB4E532312D}" dt="2025-06-22T10:57:13.015" v="1158" actId="34136"/>
+          <ac:chgData name="승헌 백" userId="931022ae5b107afa" providerId="LiveId" clId="{70F84260-645C-4A2F-953E-0AB4E532312D}" dt="2025-06-24T00:49:02.198" v="1189" actId="164"/>
+          <ac:spMkLst>
+            <pc:docMk/>
+            <pc:sldMk cId="808472852" sldId="258"/>
+            <ac:spMk id="4" creationId="{70DDB21C-7B49-79E5-48AA-02E9D6C2F502}"/>
+          </ac:spMkLst>
+        </pc:spChg>
+        <pc:spChg chg="mod">
+          <ac:chgData name="승헌 백" userId="931022ae5b107afa" providerId="LiveId" clId="{70F84260-645C-4A2F-953E-0AB4E532312D}" dt="2025-06-24T00:49:02.198" v="1189" actId="164"/>
+          <ac:spMkLst>
+            <pc:docMk/>
+            <pc:sldMk cId="808472852" sldId="258"/>
+            <ac:spMk id="5" creationId="{0D0C05FE-39B4-6006-55B4-28DDF7CB2FE7}"/>
+          </ac:spMkLst>
+        </pc:spChg>
+        <pc:spChg chg="mod">
+          <ac:chgData name="승헌 백" userId="931022ae5b107afa" providerId="LiveId" clId="{70F84260-645C-4A2F-953E-0AB4E532312D}" dt="2025-06-24T00:49:02.198" v="1189" actId="164"/>
+          <ac:spMkLst>
+            <pc:docMk/>
+            <pc:sldMk cId="808472852" sldId="258"/>
+            <ac:spMk id="6" creationId="{B9836933-9FB9-35FE-B959-A39229BBB78F}"/>
+          </ac:spMkLst>
+        </pc:spChg>
+        <pc:spChg chg="mod">
+          <ac:chgData name="승헌 백" userId="931022ae5b107afa" providerId="LiveId" clId="{70F84260-645C-4A2F-953E-0AB4E532312D}" dt="2025-06-24T00:49:02.198" v="1189" actId="164"/>
           <ac:spMkLst>
             <pc:docMk/>
             <pc:sldMk cId="808472852" sldId="258"/>
             <ac:spMk id="7" creationId="{4EA74FB4-D955-1234-D9DA-4D612A47DCDC}"/>
           </ac:spMkLst>
         </pc:spChg>
+        <pc:spChg chg="mod">
+          <ac:chgData name="승헌 백" userId="931022ae5b107afa" providerId="LiveId" clId="{70F84260-645C-4A2F-953E-0AB4E532312D}" dt="2025-06-24T00:49:02.198" v="1189" actId="164"/>
+          <ac:spMkLst>
+            <pc:docMk/>
+            <pc:sldMk cId="808472852" sldId="258"/>
+            <ac:spMk id="10" creationId="{78C56622-E137-9111-5267-8685441CBD91}"/>
+          </ac:spMkLst>
+        </pc:spChg>
+        <pc:spChg chg="mod">
+          <ac:chgData name="승헌 백" userId="931022ae5b107afa" providerId="LiveId" clId="{70F84260-645C-4A2F-953E-0AB4E532312D}" dt="2025-06-24T00:49:02.198" v="1189" actId="164"/>
+          <ac:spMkLst>
+            <pc:docMk/>
+            <pc:sldMk cId="808472852" sldId="258"/>
+            <ac:spMk id="11" creationId="{88D07C5D-3C9D-2114-4E18-297D9447DAF4}"/>
+          </ac:spMkLst>
+        </pc:spChg>
+        <pc:grpChg chg="add mod">
+          <ac:chgData name="승헌 백" userId="931022ae5b107afa" providerId="LiveId" clId="{70F84260-645C-4A2F-953E-0AB4E532312D}" dt="2025-06-24T00:49:02.198" v="1189" actId="164"/>
+          <ac:grpSpMkLst>
+            <pc:docMk/>
+            <pc:sldMk cId="808472852" sldId="258"/>
+            <ac:grpSpMk id="3" creationId="{5FBDA7D0-023E-0FA2-94F6-0F9F3C4A518E}"/>
+          </ac:grpSpMkLst>
+        </pc:grpChg>
+        <pc:cxnChg chg="mod">
+          <ac:chgData name="승헌 백" userId="931022ae5b107afa" providerId="LiveId" clId="{70F84260-645C-4A2F-953E-0AB4E532312D}" dt="2025-06-24T00:49:02.198" v="1189" actId="164"/>
+          <ac:cxnSpMkLst>
+            <pc:docMk/>
+            <pc:sldMk cId="808472852" sldId="258"/>
+            <ac:cxnSpMk id="13" creationId="{4DD32EB2-A44E-B968-7DBB-748C95C4CC05}"/>
+          </ac:cxnSpMkLst>
+        </pc:cxnChg>
       </pc:sldChg>
       <pc:sldChg chg="addSp modSp mod">
         <pc:chgData name="승헌 백" userId="931022ae5b107afa" providerId="LiveId" clId="{70F84260-645C-4A2F-953E-0AB4E532312D}" dt="2025-06-22T10:56:53.315" v="1147" actId="34136"/>
@@ -249,23 +337,15 @@
           <pc:docMk/>
           <pc:sldMk cId="2111304481" sldId="260"/>
         </pc:sldMkLst>
-        <pc:spChg chg="add mod ord">
-          <ac:chgData name="승헌 백" userId="931022ae5b107afa" providerId="LiveId" clId="{70F84260-645C-4A2F-953E-0AB4E532312D}" dt="2025-06-22T06:29:57.937" v="95" actId="167"/>
-          <ac:spMkLst>
-            <pc:docMk/>
-            <pc:sldMk cId="2111304481" sldId="260"/>
-            <ac:spMk id="2" creationId="{AEE85F2B-CC3D-740F-9FDA-790E53804B05}"/>
-          </ac:spMkLst>
-        </pc:spChg>
       </pc:sldChg>
       <pc:sldChg chg="addSp modSp mod">
-        <pc:chgData name="승헌 백" userId="931022ae5b107afa" providerId="LiveId" clId="{70F84260-645C-4A2F-953E-0AB4E532312D}" dt="2025-06-22T10:56:51.201" v="1146" actId="34136"/>
+        <pc:chgData name="승헌 백" userId="931022ae5b107afa" providerId="LiveId" clId="{70F84260-645C-4A2F-953E-0AB4E532312D}" dt="2025-06-24T00:48:51.540" v="1188" actId="164"/>
         <pc:sldMkLst>
           <pc:docMk/>
           <pc:sldMk cId="3107315598" sldId="261"/>
         </pc:sldMkLst>
         <pc:spChg chg="add mod ord">
-          <ac:chgData name="승헌 백" userId="931022ae5b107afa" providerId="LiveId" clId="{70F84260-645C-4A2F-953E-0AB4E532312D}" dt="2025-06-22T06:31:40.620" v="201" actId="20577"/>
+          <ac:chgData name="승헌 백" userId="931022ae5b107afa" providerId="LiveId" clId="{70F84260-645C-4A2F-953E-0AB4E532312D}" dt="2025-06-24T00:48:51.540" v="1188" actId="164"/>
           <ac:spMkLst>
             <pc:docMk/>
             <pc:sldMk cId="3107315598" sldId="261"/>
@@ -273,13 +353,61 @@
           </ac:spMkLst>
         </pc:spChg>
         <pc:spChg chg="mod">
-          <ac:chgData name="승헌 백" userId="931022ae5b107afa" providerId="LiveId" clId="{70F84260-645C-4A2F-953E-0AB4E532312D}" dt="2025-06-22T10:56:51.201" v="1146" actId="34136"/>
+          <ac:chgData name="승헌 백" userId="931022ae5b107afa" providerId="LiveId" clId="{70F84260-645C-4A2F-953E-0AB4E532312D}" dt="2025-06-24T00:48:51.540" v="1188" actId="164"/>
+          <ac:spMkLst>
+            <pc:docMk/>
+            <pc:sldMk cId="3107315598" sldId="261"/>
+            <ac:spMk id="3" creationId="{892DA37E-2D96-205E-41A1-D86D119B931C}"/>
+          </ac:spMkLst>
+        </pc:spChg>
+        <pc:spChg chg="mod">
+          <ac:chgData name="승헌 백" userId="931022ae5b107afa" providerId="LiveId" clId="{70F84260-645C-4A2F-953E-0AB4E532312D}" dt="2025-06-24T00:48:51.540" v="1188" actId="164"/>
+          <ac:spMkLst>
+            <pc:docMk/>
+            <pc:sldMk cId="3107315598" sldId="261"/>
+            <ac:spMk id="4" creationId="{18D1C326-5A5E-9FE6-C2FD-155AF1469F25}"/>
+          </ac:spMkLst>
+        </pc:spChg>
+        <pc:spChg chg="mod">
+          <ac:chgData name="승헌 백" userId="931022ae5b107afa" providerId="LiveId" clId="{70F84260-645C-4A2F-953E-0AB4E532312D}" dt="2025-06-24T00:48:51.540" v="1188" actId="164"/>
+          <ac:spMkLst>
+            <pc:docMk/>
+            <pc:sldMk cId="3107315598" sldId="261"/>
+            <ac:spMk id="5" creationId="{2C0BD7FB-F847-640E-069D-C895EA7F8025}"/>
+          </ac:spMkLst>
+        </pc:spChg>
+        <pc:spChg chg="mod">
+          <ac:chgData name="승헌 백" userId="931022ae5b107afa" providerId="LiveId" clId="{70F84260-645C-4A2F-953E-0AB4E532312D}" dt="2025-06-24T00:48:51.540" v="1188" actId="164"/>
+          <ac:spMkLst>
+            <pc:docMk/>
+            <pc:sldMk cId="3107315598" sldId="261"/>
+            <ac:spMk id="6" creationId="{2D51A58E-EEAA-B154-B755-3EE6AC9C5B48}"/>
+          </ac:spMkLst>
+        </pc:spChg>
+        <pc:spChg chg="mod">
+          <ac:chgData name="승헌 백" userId="931022ae5b107afa" providerId="LiveId" clId="{70F84260-645C-4A2F-953E-0AB4E532312D}" dt="2025-06-24T00:48:51.540" v="1188" actId="164"/>
           <ac:spMkLst>
             <pc:docMk/>
             <pc:sldMk cId="3107315598" sldId="261"/>
             <ac:spMk id="7" creationId="{384AFA6C-AAE6-C1D4-9491-94B703097A88}"/>
           </ac:spMkLst>
         </pc:spChg>
+        <pc:spChg chg="mod">
+          <ac:chgData name="승헌 백" userId="931022ae5b107afa" providerId="LiveId" clId="{70F84260-645C-4A2F-953E-0AB4E532312D}" dt="2025-06-24T00:48:51.540" v="1188" actId="164"/>
+          <ac:spMkLst>
+            <pc:docMk/>
+            <pc:sldMk cId="3107315598" sldId="261"/>
+            <ac:spMk id="8" creationId="{DB21E779-C863-7D73-F572-AB0B65EF866F}"/>
+          </ac:spMkLst>
+        </pc:spChg>
+        <pc:grpChg chg="add mod">
+          <ac:chgData name="승헌 백" userId="931022ae5b107afa" providerId="LiveId" clId="{70F84260-645C-4A2F-953E-0AB4E532312D}" dt="2025-06-24T00:48:51.540" v="1188" actId="164"/>
+          <ac:grpSpMkLst>
+            <pc:docMk/>
+            <pc:sldMk cId="3107315598" sldId="261"/>
+            <ac:grpSpMk id="9" creationId="{08B000CB-DB9F-227B-BBBA-83C1B3B79769}"/>
+          </ac:grpSpMkLst>
+        </pc:grpChg>
       </pc:sldChg>
       <pc:sldChg chg="addSp delSp modSp add mod ord">
         <pc:chgData name="승헌 백" userId="931022ae5b107afa" providerId="LiveId" clId="{70F84260-645C-4A2F-953E-0AB4E532312D}" dt="2025-06-22T10:56:55.479" v="1148" actId="34136"/>
@@ -293,14 +421,6 @@
             <pc:docMk/>
             <pc:sldMk cId="2924974350" sldId="262"/>
             <ac:spMk id="7" creationId="{767ED81B-AE1C-42C1-A0D1-B3795C4F38CA}"/>
-          </ac:spMkLst>
-        </pc:spChg>
-        <pc:spChg chg="del mod topLvl">
-          <ac:chgData name="승헌 백" userId="931022ae5b107afa" providerId="LiveId" clId="{70F84260-645C-4A2F-953E-0AB4E532312D}" dt="2025-06-22T06:25:07.460" v="16" actId="478"/>
-          <ac:spMkLst>
-            <pc:docMk/>
-            <pc:sldMk cId="2924974350" sldId="262"/>
-            <ac:spMk id="9" creationId="{F566FFEE-E1E0-48E7-EBB9-3DA517D9FE49}"/>
           </ac:spMkLst>
         </pc:spChg>
         <pc:spChg chg="mod topLvl">
@@ -319,14 +439,6 @@
             <ac:spMk id="11" creationId="{683B41E4-141E-4F1B-67B1-8F413513CD8C}"/>
           </ac:spMkLst>
         </pc:spChg>
-        <pc:spChg chg="del mod topLvl">
-          <ac:chgData name="승헌 백" userId="931022ae5b107afa" providerId="LiveId" clId="{70F84260-645C-4A2F-953E-0AB4E532312D}" dt="2025-06-22T06:25:33.716" v="31" actId="478"/>
-          <ac:spMkLst>
-            <pc:docMk/>
-            <pc:sldMk cId="2924974350" sldId="262"/>
-            <ac:spMk id="12" creationId="{76C5456A-FD86-E601-5A0E-6956523D9C7B}"/>
-          </ac:spMkLst>
-        </pc:spChg>
         <pc:spChg chg="mod topLvl">
           <ac:chgData name="승헌 백" userId="931022ae5b107afa" providerId="LiveId" clId="{70F84260-645C-4A2F-953E-0AB4E532312D}" dt="2025-06-22T06:27:16.321" v="60" actId="1076"/>
           <ac:spMkLst>
@@ -341,14 +453,6 @@
             <pc:docMk/>
             <pc:sldMk cId="2924974350" sldId="262"/>
             <ac:spMk id="15" creationId="{04CB0AE5-A3B6-7A3D-88CA-88E08605762A}"/>
-          </ac:spMkLst>
-        </pc:spChg>
-        <pc:spChg chg="add mod">
-          <ac:chgData name="승헌 백" userId="931022ae5b107afa" providerId="LiveId" clId="{70F84260-645C-4A2F-953E-0AB4E532312D}" dt="2025-06-22T06:25:27.175" v="28" actId="571"/>
-          <ac:spMkLst>
-            <pc:docMk/>
-            <pc:sldMk cId="2924974350" sldId="262"/>
-            <ac:spMk id="30" creationId="{FEAC4255-C3F3-CBEB-FFE7-B0ADF736E05E}"/>
           </ac:spMkLst>
         </pc:spChg>
         <pc:spChg chg="add mod">
@@ -447,14 +551,6 @@
             <ac:spMk id="43" creationId="{159DFB5A-64A0-F481-E85E-7AEA01F302FB}"/>
           </ac:spMkLst>
         </pc:spChg>
-        <pc:spChg chg="add del mod">
-          <ac:chgData name="승헌 백" userId="931022ae5b107afa" providerId="LiveId" clId="{70F84260-645C-4A2F-953E-0AB4E532312D}" dt="2025-06-22T06:29:07.896" v="73" actId="478"/>
-          <ac:spMkLst>
-            <pc:docMk/>
-            <pc:sldMk cId="2924974350" sldId="262"/>
-            <ac:spMk id="47" creationId="{68298255-4D5A-C5AF-9841-3E5E786A5DB1}"/>
-          </ac:spMkLst>
-        </pc:spChg>
         <pc:spChg chg="add mod ord">
           <ac:chgData name="승헌 백" userId="931022ae5b107afa" providerId="LiveId" clId="{70F84260-645C-4A2F-953E-0AB4E532312D}" dt="2025-06-22T06:37:28.211" v="266" actId="20577"/>
           <ac:spMkLst>
@@ -463,62 +559,6 @@
             <ac:spMk id="48" creationId="{66E671D0-96B5-17B0-E607-C57E1315CA2E}"/>
           </ac:spMkLst>
         </pc:spChg>
-        <pc:grpChg chg="del">
-          <ac:chgData name="승헌 백" userId="931022ae5b107afa" providerId="LiveId" clId="{70F84260-645C-4A2F-953E-0AB4E532312D}" dt="2025-06-22T06:23:29.453" v="1" actId="165"/>
-          <ac:grpSpMkLst>
-            <pc:docMk/>
-            <pc:sldMk cId="2924974350" sldId="262"/>
-            <ac:grpSpMk id="31" creationId="{2CF2452B-EF08-535B-FE34-1A324C4D8BC6}"/>
-          </ac:grpSpMkLst>
-        </pc:grpChg>
-        <pc:graphicFrameChg chg="add mod">
-          <ac:chgData name="승헌 백" userId="931022ae5b107afa" providerId="LiveId" clId="{70F84260-645C-4A2F-953E-0AB4E532312D}" dt="2025-06-22T06:37:10.831" v="232"/>
-          <ac:graphicFrameMkLst>
-            <pc:docMk/>
-            <pc:sldMk cId="2924974350" sldId="262"/>
-            <ac:graphicFrameMk id="49" creationId="{B867404D-B6FC-6AD8-04FE-5C4472862D19}"/>
-          </ac:graphicFrameMkLst>
-        </pc:graphicFrameChg>
-        <pc:cxnChg chg="add del mod">
-          <ac:chgData name="승헌 백" userId="931022ae5b107afa" providerId="LiveId" clId="{70F84260-645C-4A2F-953E-0AB4E532312D}" dt="2025-06-22T06:25:10.389" v="20" actId="478"/>
-          <ac:cxnSpMkLst>
-            <pc:docMk/>
-            <pc:sldMk cId="2924974350" sldId="262"/>
-            <ac:cxnSpMk id="5" creationId="{DEF80016-FE37-31E1-00EF-78BFBB26C956}"/>
-          </ac:cxnSpMkLst>
-        </pc:cxnChg>
-        <pc:cxnChg chg="del mod topLvl">
-          <ac:chgData name="승헌 백" userId="931022ae5b107afa" providerId="LiveId" clId="{70F84260-645C-4A2F-953E-0AB4E532312D}" dt="2025-06-22T06:25:09.668" v="18" actId="478"/>
-          <ac:cxnSpMkLst>
-            <pc:docMk/>
-            <pc:sldMk cId="2924974350" sldId="262"/>
-            <ac:cxnSpMk id="16" creationId="{03FD1892-55F6-E3F9-7E60-399C460BEBD2}"/>
-          </ac:cxnSpMkLst>
-        </pc:cxnChg>
-        <pc:cxnChg chg="del mod topLvl">
-          <ac:chgData name="승헌 백" userId="931022ae5b107afa" providerId="LiveId" clId="{70F84260-645C-4A2F-953E-0AB4E532312D}" dt="2025-06-22T06:25:11.037" v="21" actId="478"/>
-          <ac:cxnSpMkLst>
-            <pc:docMk/>
-            <pc:sldMk cId="2924974350" sldId="262"/>
-            <ac:cxnSpMk id="17" creationId="{16172D99-C7DC-C9CC-8956-B5A198DDB294}"/>
-          </ac:cxnSpMkLst>
-        </pc:cxnChg>
-        <pc:cxnChg chg="del mod topLvl">
-          <ac:chgData name="승헌 백" userId="931022ae5b107afa" providerId="LiveId" clId="{70F84260-645C-4A2F-953E-0AB4E532312D}" dt="2025-06-22T06:25:09.303" v="17" actId="478"/>
-          <ac:cxnSpMkLst>
-            <pc:docMk/>
-            <pc:sldMk cId="2924974350" sldId="262"/>
-            <ac:cxnSpMk id="23" creationId="{9A3E0935-CC70-0B8D-85B4-71811DC96C59}"/>
-          </ac:cxnSpMkLst>
-        </pc:cxnChg>
-        <pc:cxnChg chg="del mod topLvl">
-          <ac:chgData name="승헌 백" userId="931022ae5b107afa" providerId="LiveId" clId="{70F84260-645C-4A2F-953E-0AB4E532312D}" dt="2025-06-22T06:25:09.982" v="19" actId="478"/>
-          <ac:cxnSpMkLst>
-            <pc:docMk/>
-            <pc:sldMk cId="2924974350" sldId="262"/>
-            <ac:cxnSpMk id="26" creationId="{F9D36E9B-F63A-8558-745B-9CA869DD7C47}"/>
-          </ac:cxnSpMkLst>
-        </pc:cxnChg>
         <pc:cxnChg chg="add mod ord">
           <ac:chgData name="승헌 백" userId="931022ae5b107afa" providerId="LiveId" clId="{70F84260-645C-4A2F-953E-0AB4E532312D}" dt="2025-06-22T06:27:58.436" v="66" actId="167"/>
           <ac:cxnSpMkLst>
@@ -550,30 +590,6 @@
             <ac:spMk id="2" creationId="{30F1592C-5C59-1717-69E6-823B1641EF5D}"/>
           </ac:spMkLst>
         </pc:spChg>
-        <pc:spChg chg="add del">
-          <ac:chgData name="승헌 백" userId="931022ae5b107afa" providerId="LiveId" clId="{70F84260-645C-4A2F-953E-0AB4E532312D}" dt="2025-06-22T06:39:40.501" v="298" actId="478"/>
-          <ac:spMkLst>
-            <pc:docMk/>
-            <pc:sldMk cId="3303667822" sldId="263"/>
-            <ac:spMk id="3" creationId="{6116980A-CB71-10A5-625E-DDBED8F56F9B}"/>
-          </ac:spMkLst>
-        </pc:spChg>
-        <pc:spChg chg="del">
-          <ac:chgData name="승헌 백" userId="931022ae5b107afa" providerId="LiveId" clId="{70F84260-645C-4A2F-953E-0AB4E532312D}" dt="2025-06-22T06:38:46.710" v="291" actId="478"/>
-          <ac:spMkLst>
-            <pc:docMk/>
-            <pc:sldMk cId="3303667822" sldId="263"/>
-            <ac:spMk id="4" creationId="{46A92D4A-E163-E8E9-2BD0-30A19FEF93FA}"/>
-          </ac:spMkLst>
-        </pc:spChg>
-        <pc:spChg chg="del mod">
-          <ac:chgData name="승헌 백" userId="931022ae5b107afa" providerId="LiveId" clId="{70F84260-645C-4A2F-953E-0AB4E532312D}" dt="2025-06-22T06:39:23.221" v="294" actId="478"/>
-          <ac:spMkLst>
-            <pc:docMk/>
-            <pc:sldMk cId="3303667822" sldId="263"/>
-            <ac:spMk id="5" creationId="{DADFD661-6086-E97A-D5BE-21D19F333F65}"/>
-          </ac:spMkLst>
-        </pc:spChg>
         <pc:spChg chg="mod">
           <ac:chgData name="승헌 백" userId="931022ae5b107afa" providerId="LiveId" clId="{70F84260-645C-4A2F-953E-0AB4E532312D}" dt="2025-06-22T06:38:39.673" v="288" actId="1076"/>
           <ac:spMkLst>
@@ -590,28 +606,12 @@
             <ac:spMk id="7" creationId="{2169F092-2FCE-E64C-BA4C-D5FEE6CFE806}"/>
           </ac:spMkLst>
         </pc:spChg>
-        <pc:spChg chg="add del">
-          <ac:chgData name="승헌 백" userId="931022ae5b107afa" providerId="LiveId" clId="{70F84260-645C-4A2F-953E-0AB4E532312D}" dt="2025-06-22T06:39:44.604" v="300" actId="478"/>
-          <ac:spMkLst>
-            <pc:docMk/>
-            <pc:sldMk cId="3303667822" sldId="263"/>
-            <ac:spMk id="8" creationId="{3D070FCE-28AC-812E-05C5-F5BCD6A1BACD}"/>
-          </ac:spMkLst>
-        </pc:spChg>
         <pc:spChg chg="add mod">
           <ac:chgData name="승헌 백" userId="931022ae5b107afa" providerId="LiveId" clId="{70F84260-645C-4A2F-953E-0AB4E532312D}" dt="2025-06-22T06:40:16.439" v="319" actId="692"/>
           <ac:spMkLst>
             <pc:docMk/>
             <pc:sldMk cId="3303667822" sldId="263"/>
             <ac:spMk id="9" creationId="{8510CC20-6CC0-C9EE-AAE0-E6A2D6239A86}"/>
-          </ac:spMkLst>
-        </pc:spChg>
-        <pc:spChg chg="del mod">
-          <ac:chgData name="승헌 백" userId="931022ae5b107afa" providerId="LiveId" clId="{70F84260-645C-4A2F-953E-0AB4E532312D}" dt="2025-06-22T06:40:22.479" v="320" actId="478"/>
-          <ac:spMkLst>
-            <pc:docMk/>
-            <pc:sldMk cId="3303667822" sldId="263"/>
-            <ac:spMk id="10" creationId="{1F6CE355-953B-B55E-F936-C32B309EA9A5}"/>
           </ac:spMkLst>
         </pc:spChg>
         <pc:spChg chg="mod">
@@ -622,14 +622,6 @@
             <ac:spMk id="11" creationId="{7AA80922-1870-6911-DA39-59D0D652C16B}"/>
           </ac:spMkLst>
         </pc:spChg>
-        <pc:cxnChg chg="del">
-          <ac:chgData name="승헌 백" userId="931022ae5b107afa" providerId="LiveId" clId="{70F84260-645C-4A2F-953E-0AB4E532312D}" dt="2025-06-22T06:38:47.007" v="292" actId="478"/>
-          <ac:cxnSpMkLst>
-            <pc:docMk/>
-            <pc:sldMk cId="3303667822" sldId="263"/>
-            <ac:cxnSpMk id="13" creationId="{C815C423-B87E-8BC3-5327-59EE34A39AEA}"/>
-          </ac:cxnSpMkLst>
-        </pc:cxnChg>
       </pc:sldChg>
       <pc:sldChg chg="addSp delSp modSp add mod">
         <pc:chgData name="승헌 백" userId="931022ae5b107afa" providerId="LiveId" clId="{70F84260-645C-4A2F-953E-0AB4E532312D}" dt="2025-06-22T10:57:09.767" v="1157" actId="34136"/>
@@ -645,28 +637,12 @@
             <ac:spMk id="2" creationId="{1DAE81E1-E593-1F1D-CE5E-F1CCB4F3DC6B}"/>
           </ac:spMkLst>
         </pc:spChg>
-        <pc:spChg chg="del">
-          <ac:chgData name="승헌 백" userId="931022ae5b107afa" providerId="LiveId" clId="{70F84260-645C-4A2F-953E-0AB4E532312D}" dt="2025-06-22T06:41:47.885" v="351" actId="478"/>
-          <ac:spMkLst>
-            <pc:docMk/>
-            <pc:sldMk cId="2367338676" sldId="264"/>
-            <ac:spMk id="3" creationId="{D8EF2BD5-3280-EC64-D76F-C25F6BAD04FC}"/>
-          </ac:spMkLst>
-        </pc:spChg>
         <pc:spChg chg="mod">
           <ac:chgData name="승헌 백" userId="931022ae5b107afa" providerId="LiveId" clId="{70F84260-645C-4A2F-953E-0AB4E532312D}" dt="2025-06-22T06:42:14.128" v="361" actId="1076"/>
           <ac:spMkLst>
             <pc:docMk/>
             <pc:sldMk cId="2367338676" sldId="264"/>
             <ac:spMk id="4" creationId="{CFDD5C00-BC8C-635A-ED17-AAFC7373106C}"/>
-          </ac:spMkLst>
-        </pc:spChg>
-        <pc:spChg chg="del">
-          <ac:chgData name="승헌 백" userId="931022ae5b107afa" providerId="LiveId" clId="{70F84260-645C-4A2F-953E-0AB4E532312D}" dt="2025-06-22T06:41:47.885" v="351" actId="478"/>
-          <ac:spMkLst>
-            <pc:docMk/>
-            <pc:sldMk cId="2367338676" sldId="264"/>
-            <ac:spMk id="5" creationId="{43744977-236B-4108-F0B9-336048A403AA}"/>
           </ac:spMkLst>
         </pc:spChg>
         <pc:spChg chg="mod">
@@ -683,14 +659,6 @@
             <pc:docMk/>
             <pc:sldMk cId="2367338676" sldId="264"/>
             <ac:spMk id="7" creationId="{1AF794EA-D39E-7E84-33B4-7030BBC08099}"/>
-          </ac:spMkLst>
-        </pc:spChg>
-        <pc:spChg chg="del">
-          <ac:chgData name="승헌 백" userId="931022ae5b107afa" providerId="LiveId" clId="{70F84260-645C-4A2F-953E-0AB4E532312D}" dt="2025-06-22T06:41:47.885" v="351" actId="478"/>
-          <ac:spMkLst>
-            <pc:docMk/>
-            <pc:sldMk cId="2367338676" sldId="264"/>
-            <ac:spMk id="8" creationId="{21DE30D9-3839-F2B2-A69E-DE875DAE37D8}"/>
           </ac:spMkLst>
         </pc:spChg>
         <pc:spChg chg="add mod">
@@ -747,14 +715,6 @@
             <ac:spMk id="3" creationId="{1040F9D2-AD4E-193D-CDC8-CF870552722E}"/>
           </ac:spMkLst>
         </pc:spChg>
-        <pc:spChg chg="del">
-          <ac:chgData name="승헌 백" userId="931022ae5b107afa" providerId="LiveId" clId="{70F84260-645C-4A2F-953E-0AB4E532312D}" dt="2025-06-22T10:20:21.964" v="392" actId="478"/>
-          <ac:spMkLst>
-            <pc:docMk/>
-            <pc:sldMk cId="1955525640" sldId="265"/>
-            <ac:spMk id="4" creationId="{EE729F0F-0A6C-1091-AAB6-596B78C032CA}"/>
-          </ac:spMkLst>
-        </pc:spChg>
         <pc:spChg chg="add mod">
           <ac:chgData name="승헌 백" userId="931022ae5b107afa" providerId="LiveId" clId="{70F84260-645C-4A2F-953E-0AB4E532312D}" dt="2025-06-22T10:20:29.075" v="394" actId="1076"/>
           <ac:spMkLst>
@@ -779,22 +739,6 @@
             <ac:spMk id="9" creationId="{2DF843DA-032C-65EA-8329-C1F0DFA06917}"/>
           </ac:spMkLst>
         </pc:spChg>
-        <pc:spChg chg="del">
-          <ac:chgData name="승헌 백" userId="931022ae5b107afa" providerId="LiveId" clId="{70F84260-645C-4A2F-953E-0AB4E532312D}" dt="2025-06-22T06:43:41.502" v="383" actId="478"/>
-          <ac:spMkLst>
-            <pc:docMk/>
-            <pc:sldMk cId="1955525640" sldId="265"/>
-            <ac:spMk id="10" creationId="{487A728F-74CD-2D2B-4699-1C152A8606CE}"/>
-          </ac:spMkLst>
-        </pc:spChg>
-        <pc:spChg chg="del">
-          <ac:chgData name="승헌 백" userId="931022ae5b107afa" providerId="LiveId" clId="{70F84260-645C-4A2F-953E-0AB4E532312D}" dt="2025-06-22T06:43:40.806" v="382" actId="478"/>
-          <ac:spMkLst>
-            <pc:docMk/>
-            <pc:sldMk cId="1955525640" sldId="265"/>
-            <ac:spMk id="11" creationId="{4991145F-FDD9-B78D-02CA-52BB6C0E06DA}"/>
-          </ac:spMkLst>
-        </pc:spChg>
         <pc:cxnChg chg="add mod">
           <ac:chgData name="승헌 백" userId="931022ae5b107afa" providerId="LiveId" clId="{70F84260-645C-4A2F-953E-0AB4E532312D}" dt="2025-06-22T10:20:29.075" v="394" actId="1076"/>
           <ac:cxnSpMkLst>
@@ -816,22 +760,6 @@
             <pc:docMk/>
             <pc:sldMk cId="2572114632" sldId="266"/>
             <ac:spMk id="2" creationId="{94F8E771-76F9-021E-9ECF-2FDDBB54B91E}"/>
-          </ac:spMkLst>
-        </pc:spChg>
-        <pc:spChg chg="del">
-          <ac:chgData name="승헌 백" userId="931022ae5b107afa" providerId="LiveId" clId="{70F84260-645C-4A2F-953E-0AB4E532312D}" dt="2025-06-22T10:24:46.524" v="404" actId="478"/>
-          <ac:spMkLst>
-            <pc:docMk/>
-            <pc:sldMk cId="2572114632" sldId="266"/>
-            <ac:spMk id="3" creationId="{2386F713-FEB6-921B-153B-8A5C4CC03602}"/>
-          </ac:spMkLst>
-        </pc:spChg>
-        <pc:spChg chg="add del mod">
-          <ac:chgData name="승헌 백" userId="931022ae5b107afa" providerId="LiveId" clId="{70F84260-645C-4A2F-953E-0AB4E532312D}" dt="2025-06-22T10:25:06.171" v="411" actId="478"/>
-          <ac:spMkLst>
-            <pc:docMk/>
-            <pc:sldMk cId="2572114632" sldId="266"/>
-            <ac:spMk id="4" creationId="{3DC62F02-259E-F1B4-DCA8-1699F27F72BB}"/>
           </ac:spMkLst>
         </pc:spChg>
         <pc:spChg chg="mod">
@@ -866,14 +794,6 @@
             <ac:spMk id="9" creationId="{F6117E22-4E23-5C9A-0944-590A24A3CA61}"/>
           </ac:spMkLst>
         </pc:spChg>
-        <pc:cxnChg chg="del">
-          <ac:chgData name="승헌 백" userId="931022ae5b107afa" providerId="LiveId" clId="{70F84260-645C-4A2F-953E-0AB4E532312D}" dt="2025-06-22T10:24:47.258" v="405" actId="478"/>
-          <ac:cxnSpMkLst>
-            <pc:docMk/>
-            <pc:sldMk cId="2572114632" sldId="266"/>
-            <ac:cxnSpMk id="8" creationId="{95E88B14-E3E2-B324-35DC-5D466511F943}"/>
-          </ac:cxnSpMkLst>
-        </pc:cxnChg>
       </pc:sldChg>
       <pc:sldChg chg="addSp delSp modSp add mod">
         <pc:chgData name="승헌 백" userId="931022ae5b107afa" providerId="LiveId" clId="{70F84260-645C-4A2F-953E-0AB4E532312D}" dt="2025-06-22T10:57:29.366" v="1164" actId="34136"/>
@@ -905,14 +825,6 @@
             <ac:spMk id="7" creationId="{5CC256EE-9D0C-DC01-A73F-9B030312E038}"/>
           </ac:spMkLst>
         </pc:spChg>
-        <pc:spChg chg="del">
-          <ac:chgData name="승헌 백" userId="931022ae5b107afa" providerId="LiveId" clId="{70F84260-645C-4A2F-953E-0AB4E532312D}" dt="2025-06-22T10:25:24.905" v="423" actId="478"/>
-          <ac:spMkLst>
-            <pc:docMk/>
-            <pc:sldMk cId="2709370623" sldId="267"/>
-            <ac:spMk id="9" creationId="{AA0C7655-0F16-1894-1FAB-7AC6A0B16E4D}"/>
-          </ac:spMkLst>
-        </pc:spChg>
       </pc:sldChg>
       <pc:sldChg chg="addSp delSp modSp add del mod">
         <pc:chgData name="승헌 백" userId="931022ae5b107afa" providerId="LiveId" clId="{70F84260-645C-4A2F-953E-0AB4E532312D}" dt="2025-06-22T10:42:12.608" v="770" actId="47"/>
@@ -920,38 +832,6 @@
           <pc:docMk/>
           <pc:sldMk cId="4063680797" sldId="268"/>
         </pc:sldMkLst>
-        <pc:spChg chg="mod">
-          <ac:chgData name="승헌 백" userId="931022ae5b107afa" providerId="LiveId" clId="{70F84260-645C-4A2F-953E-0AB4E532312D}" dt="2025-06-22T10:26:43.388" v="449" actId="20577"/>
-          <ac:spMkLst>
-            <pc:docMk/>
-            <pc:sldMk cId="4063680797" sldId="268"/>
-            <ac:spMk id="2" creationId="{C7AC017C-4187-2FF3-FA78-BD2DE5FF6850}"/>
-          </ac:spMkLst>
-        </pc:spChg>
-        <pc:spChg chg="add mod">
-          <ac:chgData name="승헌 백" userId="931022ae5b107afa" providerId="LiveId" clId="{70F84260-645C-4A2F-953E-0AB4E532312D}" dt="2025-06-22T10:27:04.994" v="456"/>
-          <ac:spMkLst>
-            <pc:docMk/>
-            <pc:sldMk cId="4063680797" sldId="268"/>
-            <ac:spMk id="3" creationId="{06FB4992-3E2A-BD56-CC18-A8A213FFA69F}"/>
-          </ac:spMkLst>
-        </pc:spChg>
-        <pc:spChg chg="mod">
-          <ac:chgData name="승헌 백" userId="931022ae5b107afa" providerId="LiveId" clId="{70F84260-645C-4A2F-953E-0AB4E532312D}" dt="2025-06-22T10:26:49.898" v="451" actId="1076"/>
-          <ac:spMkLst>
-            <pc:docMk/>
-            <pc:sldMk cId="4063680797" sldId="268"/>
-            <ac:spMk id="9" creationId="{AABE1E15-40D3-7603-B3A5-B59841249E36}"/>
-          </ac:spMkLst>
-        </pc:spChg>
-        <pc:cxnChg chg="add del">
-          <ac:chgData name="승헌 백" userId="931022ae5b107afa" providerId="LiveId" clId="{70F84260-645C-4A2F-953E-0AB4E532312D}" dt="2025-06-22T10:27:16.642" v="458" actId="478"/>
-          <ac:cxnSpMkLst>
-            <pc:docMk/>
-            <pc:sldMk cId="4063680797" sldId="268"/>
-            <ac:cxnSpMk id="8" creationId="{BC6AD35B-2B4B-A862-5F28-639FA2F554CE}"/>
-          </ac:cxnSpMkLst>
-        </pc:cxnChg>
       </pc:sldChg>
       <pc:sldChg chg="addSp delSp modSp add mod">
         <pc:chgData name="승헌 백" userId="931022ae5b107afa" providerId="LiveId" clId="{70F84260-645C-4A2F-953E-0AB4E532312D}" dt="2025-06-22T10:57:33.127" v="1165" actId="34136"/>
@@ -965,14 +845,6 @@
             <pc:docMk/>
             <pc:sldMk cId="1119854872" sldId="269"/>
             <ac:spMk id="2" creationId="{A671072A-04CF-7D87-AD5C-5D745A7F3748}"/>
-          </ac:spMkLst>
-        </pc:spChg>
-        <pc:spChg chg="del">
-          <ac:chgData name="승헌 백" userId="931022ae5b107afa" providerId="LiveId" clId="{70F84260-645C-4A2F-953E-0AB4E532312D}" dt="2025-06-22T10:27:37.495" v="460" actId="478"/>
-          <ac:spMkLst>
-            <pc:docMk/>
-            <pc:sldMk cId="1119854872" sldId="269"/>
-            <ac:spMk id="3" creationId="{A9AC13E7-0668-E633-8E30-037F52887A03}"/>
           </ac:spMkLst>
         </pc:spChg>
         <pc:spChg chg="add mod">
@@ -989,14 +861,6 @@
             <pc:docMk/>
             <pc:sldMk cId="1119854872" sldId="269"/>
             <ac:spMk id="7" creationId="{9C42DF2A-2CD3-AA03-19F3-FA47C4264EC3}"/>
-          </ac:spMkLst>
-        </pc:spChg>
-        <pc:spChg chg="del">
-          <ac:chgData name="승헌 백" userId="931022ae5b107afa" providerId="LiveId" clId="{70F84260-645C-4A2F-953E-0AB4E532312D}" dt="2025-06-22T10:27:40.469" v="461" actId="478"/>
-          <ac:spMkLst>
-            <pc:docMk/>
-            <pc:sldMk cId="1119854872" sldId="269"/>
-            <ac:spMk id="9" creationId="{598920DE-C4AB-332C-4DA5-D37F879D9077}"/>
           </ac:spMkLst>
         </pc:spChg>
       </pc:sldChg>
@@ -1188,14 +1052,6 @@
             <ac:spMk id="2" creationId="{480B6D9D-9C1D-09FB-96A2-EEE0F1A80093}"/>
           </ac:spMkLst>
         </pc:spChg>
-        <pc:spChg chg="del">
-          <ac:chgData name="승헌 백" userId="931022ae5b107afa" providerId="LiveId" clId="{70F84260-645C-4A2F-953E-0AB4E532312D}" dt="2025-06-22T10:30:11.483" v="598" actId="478"/>
-          <ac:spMkLst>
-            <pc:docMk/>
-            <pc:sldMk cId="3710363618" sldId="271"/>
-            <ac:spMk id="4" creationId="{441E7399-B407-74E3-CF19-65B49DD0B2CA}"/>
-          </ac:spMkLst>
-        </pc:spChg>
         <pc:spChg chg="mod">
           <ac:chgData name="승헌 백" userId="931022ae5b107afa" providerId="LiveId" clId="{70F84260-645C-4A2F-953E-0AB4E532312D}" dt="2025-06-22T10:57:37.622" v="1167" actId="34136"/>
           <ac:spMkLst>
@@ -1204,100 +1060,12 @@
             <ac:spMk id="7" creationId="{2BD3F64B-B752-06B1-3F50-CD35D5CC4EEF}"/>
           </ac:spMkLst>
         </pc:spChg>
-        <pc:spChg chg="del">
-          <ac:chgData name="승헌 백" userId="931022ae5b107afa" providerId="LiveId" clId="{70F84260-645C-4A2F-953E-0AB4E532312D}" dt="2025-06-22T10:30:11.483" v="598" actId="478"/>
-          <ac:spMkLst>
-            <pc:docMk/>
-            <pc:sldMk cId="3710363618" sldId="271"/>
-            <ac:spMk id="9" creationId="{2BCCC3AD-2DD7-75EF-258C-8C0418BBBB3B}"/>
-          </ac:spMkLst>
-        </pc:spChg>
-        <pc:spChg chg="del">
-          <ac:chgData name="승헌 백" userId="931022ae5b107afa" providerId="LiveId" clId="{70F84260-645C-4A2F-953E-0AB4E532312D}" dt="2025-06-22T10:30:11.483" v="598" actId="478"/>
-          <ac:spMkLst>
-            <pc:docMk/>
-            <pc:sldMk cId="3710363618" sldId="271"/>
-            <ac:spMk id="11" creationId="{09FFB371-FB95-0DF4-3969-456088AC9A88}"/>
-          </ac:spMkLst>
-        </pc:spChg>
-        <pc:spChg chg="del">
-          <ac:chgData name="승헌 백" userId="931022ae5b107afa" providerId="LiveId" clId="{70F84260-645C-4A2F-953E-0AB4E532312D}" dt="2025-06-22T10:30:11.483" v="598" actId="478"/>
-          <ac:spMkLst>
-            <pc:docMk/>
-            <pc:sldMk cId="3710363618" sldId="271"/>
-            <ac:spMk id="12" creationId="{35EE1F34-884A-158A-7150-BD850DED4388}"/>
-          </ac:spMkLst>
-        </pc:spChg>
-        <pc:spChg chg="del">
-          <ac:chgData name="승헌 백" userId="931022ae5b107afa" providerId="LiveId" clId="{70F84260-645C-4A2F-953E-0AB4E532312D}" dt="2025-06-22T10:30:11.483" v="598" actId="478"/>
-          <ac:spMkLst>
-            <pc:docMk/>
-            <pc:sldMk cId="3710363618" sldId="271"/>
-            <ac:spMk id="13" creationId="{ED3C347F-08D0-CF89-7CDF-89DDEF3D2387}"/>
-          </ac:spMkLst>
-        </pc:spChg>
-        <pc:spChg chg="del">
-          <ac:chgData name="승헌 백" userId="931022ae5b107afa" providerId="LiveId" clId="{70F84260-645C-4A2F-953E-0AB4E532312D}" dt="2025-06-22T10:30:11.483" v="598" actId="478"/>
-          <ac:spMkLst>
-            <pc:docMk/>
-            <pc:sldMk cId="3710363618" sldId="271"/>
-            <ac:spMk id="14" creationId="{B9C56987-A7DB-D115-C3FE-BAF03DD23E81}"/>
-          </ac:spMkLst>
-        </pc:spChg>
-        <pc:spChg chg="del">
-          <ac:chgData name="승헌 백" userId="931022ae5b107afa" providerId="LiveId" clId="{70F84260-645C-4A2F-953E-0AB4E532312D}" dt="2025-06-22T10:30:11.483" v="598" actId="478"/>
-          <ac:spMkLst>
-            <pc:docMk/>
-            <pc:sldMk cId="3710363618" sldId="271"/>
-            <ac:spMk id="15" creationId="{D8A7CF2F-9684-CEF2-6C80-E13D991D7C8D}"/>
-          </ac:spMkLst>
-        </pc:spChg>
-        <pc:spChg chg="del">
-          <ac:chgData name="승헌 백" userId="931022ae5b107afa" providerId="LiveId" clId="{70F84260-645C-4A2F-953E-0AB4E532312D}" dt="2025-06-22T10:30:11.483" v="598" actId="478"/>
-          <ac:spMkLst>
-            <pc:docMk/>
-            <pc:sldMk cId="3710363618" sldId="271"/>
-            <ac:spMk id="18" creationId="{FE83086B-F91A-C2D9-4C87-251BA516BB6D}"/>
-          </ac:spMkLst>
-        </pc:spChg>
-        <pc:spChg chg="del">
-          <ac:chgData name="승헌 백" userId="931022ae5b107afa" providerId="LiveId" clId="{70F84260-645C-4A2F-953E-0AB4E532312D}" dt="2025-06-22T10:30:11.483" v="598" actId="478"/>
-          <ac:spMkLst>
-            <pc:docMk/>
-            <pc:sldMk cId="3710363618" sldId="271"/>
-            <ac:spMk id="21" creationId="{ED812996-EB21-7302-FC99-CD36EC69A95C}"/>
-          </ac:spMkLst>
-        </pc:spChg>
-        <pc:spChg chg="del">
-          <ac:chgData name="승헌 백" userId="931022ae5b107afa" providerId="LiveId" clId="{70F84260-645C-4A2F-953E-0AB4E532312D}" dt="2025-06-22T10:30:11.483" v="598" actId="478"/>
-          <ac:spMkLst>
-            <pc:docMk/>
-            <pc:sldMk cId="3710363618" sldId="271"/>
-            <ac:spMk id="23" creationId="{C7F29888-E591-C16F-0B01-17BC12527CA0}"/>
-          </ac:spMkLst>
-        </pc:spChg>
         <pc:spChg chg="add mod">
           <ac:chgData name="승헌 백" userId="931022ae5b107afa" providerId="LiveId" clId="{70F84260-645C-4A2F-953E-0AB4E532312D}" dt="2025-06-22T10:31:19" v="615" actId="1076"/>
           <ac:spMkLst>
             <pc:docMk/>
             <pc:sldMk cId="3710363618" sldId="271"/>
             <ac:spMk id="24" creationId="{54045963-1DD3-C889-A965-E4F7FB6DDD87}"/>
-          </ac:spMkLst>
-        </pc:spChg>
-        <pc:spChg chg="add del mod">
-          <ac:chgData name="승헌 백" userId="931022ae5b107afa" providerId="LiveId" clId="{70F84260-645C-4A2F-953E-0AB4E532312D}" dt="2025-06-22T10:31:42.467" v="623" actId="478"/>
-          <ac:spMkLst>
-            <pc:docMk/>
-            <pc:sldMk cId="3710363618" sldId="271"/>
-            <ac:spMk id="27" creationId="{70F2B6F0-2CDE-5002-23C5-E0786604811B}"/>
-          </ac:spMkLst>
-        </pc:spChg>
-        <pc:spChg chg="add del mod">
-          <ac:chgData name="승헌 백" userId="931022ae5b107afa" providerId="LiveId" clId="{70F84260-645C-4A2F-953E-0AB4E532312D}" dt="2025-06-22T10:31:42.781" v="624" actId="478"/>
-          <ac:spMkLst>
-            <pc:docMk/>
-            <pc:sldMk cId="3710363618" sldId="271"/>
-            <ac:spMk id="28" creationId="{74AA14AC-7826-AAFE-366F-26F51F9566FF}"/>
           </ac:spMkLst>
         </pc:spChg>
         <pc:cxnChg chg="add mod ord">
@@ -1371,22 +1139,6 @@
             <ac:spMk id="9" creationId="{BD01180B-450E-0A52-D337-B13A8602FFEC}"/>
           </ac:spMkLst>
         </pc:spChg>
-        <pc:spChg chg="del">
-          <ac:chgData name="승헌 백" userId="931022ae5b107afa" providerId="LiveId" clId="{70F84260-645C-4A2F-953E-0AB4E532312D}" dt="2025-06-22T10:34:26.251" v="646" actId="478"/>
-          <ac:spMkLst>
-            <pc:docMk/>
-            <pc:sldMk cId="1147727668" sldId="272"/>
-            <ac:spMk id="24" creationId="{76A2E933-7651-62C1-7C17-F177F4F39F5C}"/>
-          </ac:spMkLst>
-        </pc:spChg>
-        <pc:cxnChg chg="del">
-          <ac:chgData name="승헌 백" userId="931022ae5b107afa" providerId="LiveId" clId="{70F84260-645C-4A2F-953E-0AB4E532312D}" dt="2025-06-22T10:34:26.028" v="645" actId="478"/>
-          <ac:cxnSpMkLst>
-            <pc:docMk/>
-            <pc:sldMk cId="1147727668" sldId="272"/>
-            <ac:cxnSpMk id="26" creationId="{EB216C01-786E-2C64-EF09-81CFD17A424E}"/>
-          </ac:cxnSpMkLst>
-        </pc:cxnChg>
       </pc:sldChg>
       <pc:sldChg chg="addSp delSp modSp add mod">
         <pc:chgData name="승헌 백" userId="931022ae5b107afa" providerId="LiveId" clId="{70F84260-645C-4A2F-953E-0AB4E532312D}" dt="2025-06-22T10:57:43.412" v="1169" actId="34136"/>
@@ -1402,28 +1154,12 @@
             <ac:spMk id="2" creationId="{2665251C-93BA-450F-C342-C9F057A9493B}"/>
           </ac:spMkLst>
         </pc:spChg>
-        <pc:spChg chg="del">
-          <ac:chgData name="승헌 백" userId="931022ae5b107afa" providerId="LiveId" clId="{70F84260-645C-4A2F-953E-0AB4E532312D}" dt="2025-06-22T10:38:45.400" v="677" actId="478"/>
-          <ac:spMkLst>
-            <pc:docMk/>
-            <pc:sldMk cId="1110069454" sldId="273"/>
-            <ac:spMk id="3" creationId="{6186C070-7458-6F51-962F-BB1C090C62A9}"/>
-          </ac:spMkLst>
-        </pc:spChg>
         <pc:spChg chg="add mod">
           <ac:chgData name="승헌 백" userId="931022ae5b107afa" providerId="LiveId" clId="{70F84260-645C-4A2F-953E-0AB4E532312D}" dt="2025-06-22T10:40:29.943" v="707" actId="1076"/>
           <ac:spMkLst>
             <pc:docMk/>
             <pc:sldMk cId="1110069454" sldId="273"/>
             <ac:spMk id="4" creationId="{04C02AF8-B1CB-AD82-D08C-F9AEC2E9E73A}"/>
-          </ac:spMkLst>
-        </pc:spChg>
-        <pc:spChg chg="del mod">
-          <ac:chgData name="승헌 백" userId="931022ae5b107afa" providerId="LiveId" clId="{70F84260-645C-4A2F-953E-0AB4E532312D}" dt="2025-06-22T10:40:31.252" v="708" actId="478"/>
-          <ac:spMkLst>
-            <pc:docMk/>
-            <pc:sldMk cId="1110069454" sldId="273"/>
-            <ac:spMk id="5" creationId="{B28D07BF-EA6A-879E-807F-48009AD41667}"/>
           </ac:spMkLst>
         </pc:spChg>
         <pc:spChg chg="mod">
@@ -1496,28 +1232,12 @@
           <pc:docMk/>
           <pc:sldMk cId="3999554774" sldId="274"/>
         </pc:sldMkLst>
-        <pc:spChg chg="add del mod">
-          <ac:chgData name="승헌 백" userId="931022ae5b107afa" providerId="LiveId" clId="{70F84260-645C-4A2F-953E-0AB4E532312D}" dt="2025-06-22T10:40:37.101" v="711" actId="478"/>
-          <ac:spMkLst>
-            <pc:docMk/>
-            <pc:sldMk cId="3999554774" sldId="274"/>
-            <ac:spMk id="3" creationId="{3CEB9266-B431-2E35-B4D8-7ABD2274F134}"/>
-          </ac:spMkLst>
-        </pc:spChg>
         <pc:spChg chg="add mod">
           <ac:chgData name="승헌 백" userId="931022ae5b107afa" providerId="LiveId" clId="{70F84260-645C-4A2F-953E-0AB4E532312D}" dt="2025-06-22T10:40:50.286" v="716"/>
           <ac:spMkLst>
             <pc:docMk/>
             <pc:sldMk cId="3999554774" sldId="274"/>
             <ac:spMk id="4" creationId="{FB8CBA44-A537-7249-9F0E-EEB581B34127}"/>
-          </ac:spMkLst>
-        </pc:spChg>
-        <pc:spChg chg="del">
-          <ac:chgData name="승헌 백" userId="931022ae5b107afa" providerId="LiveId" clId="{70F84260-645C-4A2F-953E-0AB4E532312D}" dt="2025-06-22T10:40:36.764" v="710" actId="478"/>
-          <ac:spMkLst>
-            <pc:docMk/>
-            <pc:sldMk cId="3999554774" sldId="274"/>
-            <ac:spMk id="5" creationId="{BFEF59A6-7D3D-4520-E644-96E4212DCBFA}"/>
           </ac:spMkLst>
         </pc:spChg>
         <pc:spChg chg="mod">
@@ -1583,14 +1303,6 @@
             <ac:spMk id="3" creationId="{90C3953E-C052-B272-E985-BD5D7C2D6D2A}"/>
           </ac:spMkLst>
         </pc:spChg>
-        <pc:spChg chg="add del mod">
-          <ac:chgData name="승헌 백" userId="931022ae5b107afa" providerId="LiveId" clId="{70F84260-645C-4A2F-953E-0AB4E532312D}" dt="2025-06-22T10:42:59.597" v="834" actId="478"/>
-          <ac:spMkLst>
-            <pc:docMk/>
-            <pc:sldMk cId="232799941" sldId="275"/>
-            <ac:spMk id="4" creationId="{18F082F9-FA8B-B668-3531-213C0AEE7691}"/>
-          </ac:spMkLst>
-        </pc:spChg>
         <pc:spChg chg="add mod">
           <ac:chgData name="승헌 백" userId="931022ae5b107afa" providerId="LiveId" clId="{70F84260-645C-4A2F-953E-0AB4E532312D}" dt="2025-06-22T10:44:07.445" v="877" actId="1076"/>
           <ac:spMkLst>
@@ -1605,46 +1317,6 @@
             <pc:docMk/>
             <pc:sldMk cId="232799941" sldId="275"/>
             <ac:spMk id="7" creationId="{3696C6D6-2F77-12E0-21DC-0A6AC59393B5}"/>
-          </ac:spMkLst>
-        </pc:spChg>
-        <pc:spChg chg="add del">
-          <ac:chgData name="승헌 백" userId="931022ae5b107afa" providerId="LiveId" clId="{70F84260-645C-4A2F-953E-0AB4E532312D}" dt="2025-06-22T10:42:43.989" v="807" actId="478"/>
-          <ac:spMkLst>
-            <pc:docMk/>
-            <pc:sldMk cId="232799941" sldId="275"/>
-            <ac:spMk id="8" creationId="{3EA9CF8C-0CB0-FC23-0EEB-801BD62166AC}"/>
-          </ac:spMkLst>
-        </pc:spChg>
-        <pc:spChg chg="del mod">
-          <ac:chgData name="승헌 백" userId="931022ae5b107afa" providerId="LiveId" clId="{70F84260-645C-4A2F-953E-0AB4E532312D}" dt="2025-06-22T10:42:37.283" v="796" actId="478"/>
-          <ac:spMkLst>
-            <pc:docMk/>
-            <pc:sldMk cId="232799941" sldId="275"/>
-            <ac:spMk id="9" creationId="{2AEF07EE-24AC-3AE3-69CD-5C5E3A020989}"/>
-          </ac:spMkLst>
-        </pc:spChg>
-        <pc:spChg chg="add del">
-          <ac:chgData name="승헌 백" userId="931022ae5b107afa" providerId="LiveId" clId="{70F84260-645C-4A2F-953E-0AB4E532312D}" dt="2025-06-22T10:42:45.340" v="810" actId="478"/>
-          <ac:spMkLst>
-            <pc:docMk/>
-            <pc:sldMk cId="232799941" sldId="275"/>
-            <ac:spMk id="10" creationId="{EDE80CCC-ABBA-ED62-3BC2-7DB033EF63E1}"/>
-          </ac:spMkLst>
-        </pc:spChg>
-        <pc:spChg chg="add del">
-          <ac:chgData name="승헌 백" userId="931022ae5b107afa" providerId="LiveId" clId="{70F84260-645C-4A2F-953E-0AB4E532312D}" dt="2025-06-22T10:42:44.397" v="808" actId="478"/>
-          <ac:spMkLst>
-            <pc:docMk/>
-            <pc:sldMk cId="232799941" sldId="275"/>
-            <ac:spMk id="11" creationId="{B95454B0-7DB2-DE41-02BB-CCAABDF38010}"/>
-          </ac:spMkLst>
-        </pc:spChg>
-        <pc:spChg chg="add del">
-          <ac:chgData name="승헌 백" userId="931022ae5b107afa" providerId="LiveId" clId="{70F84260-645C-4A2F-953E-0AB4E532312D}" dt="2025-06-22T10:42:44.907" v="809" actId="478"/>
-          <ac:spMkLst>
-            <pc:docMk/>
-            <pc:sldMk cId="232799941" sldId="275"/>
-            <ac:spMk id="12" creationId="{B134C540-3C51-80F5-A972-0F6B7161CA6B}"/>
           </ac:spMkLst>
         </pc:spChg>
         <pc:spChg chg="mod">
@@ -1678,22 +1350,6 @@
             <ac:spMk id="2" creationId="{4E4C19A7-75E7-859E-C92B-D12E5441F5B0}"/>
           </ac:spMkLst>
         </pc:spChg>
-        <pc:spChg chg="del mod">
-          <ac:chgData name="승헌 백" userId="931022ae5b107afa" providerId="LiveId" clId="{70F84260-645C-4A2F-953E-0AB4E532312D}" dt="2025-06-22T10:45:37.781" v="895" actId="478"/>
-          <ac:spMkLst>
-            <pc:docMk/>
-            <pc:sldMk cId="4237667730" sldId="276"/>
-            <ac:spMk id="3" creationId="{D8007755-A34F-C3C8-A3E7-0620EE11B79A}"/>
-          </ac:spMkLst>
-        </pc:spChg>
-        <pc:spChg chg="add del mod">
-          <ac:chgData name="승헌 백" userId="931022ae5b107afa" providerId="LiveId" clId="{70F84260-645C-4A2F-953E-0AB4E532312D}" dt="2025-06-22T10:45:40.454" v="897" actId="478"/>
-          <ac:spMkLst>
-            <pc:docMk/>
-            <pc:sldMk cId="4237667730" sldId="276"/>
-            <ac:spMk id="4" creationId="{F4CFDB60-CFF5-0DA0-B69F-443C31D85406}"/>
-          </ac:spMkLst>
-        </pc:spChg>
         <pc:spChg chg="mod">
           <ac:chgData name="승헌 백" userId="931022ae5b107afa" providerId="LiveId" clId="{70F84260-645C-4A2F-953E-0AB4E532312D}" dt="2025-06-22T10:57:47.978" v="1171" actId="34136"/>
           <ac:spMkLst>
@@ -1708,14 +1364,6 @@
             <pc:docMk/>
             <pc:sldMk cId="4237667730" sldId="276"/>
             <ac:spMk id="8" creationId="{486A969A-8ED0-5060-79CC-8F8F82830C34}"/>
-          </ac:spMkLst>
-        </pc:spChg>
-        <pc:spChg chg="add del mod">
-          <ac:chgData name="승헌 백" userId="931022ae5b107afa" providerId="LiveId" clId="{70F84260-645C-4A2F-953E-0AB4E532312D}" dt="2025-06-22T10:45:36.939" v="893" actId="478"/>
-          <ac:spMkLst>
-            <pc:docMk/>
-            <pc:sldMk cId="4237667730" sldId="276"/>
-            <ac:spMk id="9" creationId="{562EC352-B8B9-AD94-8A7F-4B8C3C33DFD4}"/>
           </ac:spMkLst>
         </pc:spChg>
         <pc:spChg chg="mod ord">
@@ -1733,14 +1381,6 @@
           <pc:docMk/>
           <pc:sldMk cId="2791419773" sldId="277"/>
         </pc:sldMkLst>
-        <pc:spChg chg="mod">
-          <ac:chgData name="승헌 백" userId="931022ae5b107afa" providerId="LiveId" clId="{70F84260-645C-4A2F-953E-0AB4E532312D}" dt="2025-06-22T10:46:32.577" v="930" actId="14100"/>
-          <ac:spMkLst>
-            <pc:docMk/>
-            <pc:sldMk cId="2791419773" sldId="277"/>
-            <ac:spMk id="9" creationId="{B6A6C7AE-CCC7-06F8-1EFF-5FB76D0E08BE}"/>
-          </ac:spMkLst>
-        </pc:spChg>
       </pc:sldChg>
       <pc:sldChg chg="modSp add mod">
         <pc:chgData name="승헌 백" userId="931022ae5b107afa" providerId="LiveId" clId="{70F84260-645C-4A2F-953E-0AB4E532312D}" dt="2025-06-22T10:57:50.103" v="1172" actId="34136"/>
@@ -1795,44 +1435,12 @@
             <ac:spMk id="2" creationId="{C4DBF273-DE12-82FE-2CAC-D979DEA1B9A4}"/>
           </ac:spMkLst>
         </pc:spChg>
-        <pc:spChg chg="del">
-          <ac:chgData name="승헌 백" userId="931022ae5b107afa" providerId="LiveId" clId="{70F84260-645C-4A2F-953E-0AB4E532312D}" dt="2025-06-22T10:47:43.742" v="969" actId="478"/>
-          <ac:spMkLst>
-            <pc:docMk/>
-            <pc:sldMk cId="2896694179" sldId="278"/>
-            <ac:spMk id="3" creationId="{F85C3746-8F25-7169-A5C6-AA67F7FA8F22}"/>
-          </ac:spMkLst>
-        </pc:spChg>
-        <pc:spChg chg="del">
-          <ac:chgData name="승헌 백" userId="931022ae5b107afa" providerId="LiveId" clId="{70F84260-645C-4A2F-953E-0AB4E532312D}" dt="2025-06-22T10:47:43.742" v="969" actId="478"/>
-          <ac:spMkLst>
-            <pc:docMk/>
-            <pc:sldMk cId="2896694179" sldId="278"/>
-            <ac:spMk id="5" creationId="{010A9811-1D20-8D8B-D6EC-C871592E56C1}"/>
-          </ac:spMkLst>
-        </pc:spChg>
         <pc:spChg chg="mod">
           <ac:chgData name="승헌 백" userId="931022ae5b107afa" providerId="LiveId" clId="{70F84260-645C-4A2F-953E-0AB4E532312D}" dt="2025-06-22T10:57:51.998" v="1173" actId="34136"/>
           <ac:spMkLst>
             <pc:docMk/>
             <pc:sldMk cId="2896694179" sldId="278"/>
             <ac:spMk id="7" creationId="{4DF0D9E1-6750-05B4-AE74-3BDAE4EB5F66}"/>
-          </ac:spMkLst>
-        </pc:spChg>
-        <pc:spChg chg="del">
-          <ac:chgData name="승헌 백" userId="931022ae5b107afa" providerId="LiveId" clId="{70F84260-645C-4A2F-953E-0AB4E532312D}" dt="2025-06-22T10:47:43.742" v="969" actId="478"/>
-          <ac:spMkLst>
-            <pc:docMk/>
-            <pc:sldMk cId="2896694179" sldId="278"/>
-            <ac:spMk id="8" creationId="{D9473E8E-ECFE-3780-8AB1-CE271611B68C}"/>
-          </ac:spMkLst>
-        </pc:spChg>
-        <pc:spChg chg="add del mod">
-          <ac:chgData name="승헌 백" userId="931022ae5b107afa" providerId="LiveId" clId="{70F84260-645C-4A2F-953E-0AB4E532312D}" dt="2025-06-22T10:49:01.872" v="1016" actId="478"/>
-          <ac:spMkLst>
-            <pc:docMk/>
-            <pc:sldMk cId="2896694179" sldId="278"/>
-            <ac:spMk id="9" creationId="{76A7AB39-87EB-59E3-E2ED-61C632FF7B2F}"/>
           </ac:spMkLst>
         </pc:spChg>
         <pc:spChg chg="add mod">
@@ -1986,28 +1594,12 @@
             <ac:spMk id="2" creationId="{240B67F3-BEDA-B8E4-4644-305ABD7AB1A1}"/>
           </ac:spMkLst>
         </pc:spChg>
-        <pc:spChg chg="del">
-          <ac:chgData name="승헌 백" userId="931022ae5b107afa" providerId="LiveId" clId="{70F84260-645C-4A2F-953E-0AB4E532312D}" dt="2025-06-22T10:49:47.192" v="1045" actId="478"/>
-          <ac:spMkLst>
-            <pc:docMk/>
-            <pc:sldMk cId="93989452" sldId="279"/>
-            <ac:spMk id="3" creationId="{6C1DAEE4-4297-7B73-41CB-DF1337D19935}"/>
-          </ac:spMkLst>
-        </pc:spChg>
         <pc:spChg chg="mod">
           <ac:chgData name="승헌 백" userId="931022ae5b107afa" providerId="LiveId" clId="{70F84260-645C-4A2F-953E-0AB4E532312D}" dt="2025-06-22T10:58:00.253" v="1177" actId="164"/>
           <ac:spMkLst>
             <pc:docMk/>
             <pc:sldMk cId="93989452" sldId="279"/>
             <ac:spMk id="4" creationId="{3B5EDDC3-F1E5-B2BA-C093-BDD62117BE79}"/>
-          </ac:spMkLst>
-        </pc:spChg>
-        <pc:spChg chg="del">
-          <ac:chgData name="승헌 백" userId="931022ae5b107afa" providerId="LiveId" clId="{70F84260-645C-4A2F-953E-0AB4E532312D}" dt="2025-06-22T10:49:46.596" v="1044" actId="478"/>
-          <ac:spMkLst>
-            <pc:docMk/>
-            <pc:sldMk cId="93989452" sldId="279"/>
-            <ac:spMk id="5" creationId="{924F6862-2992-9899-286B-A763991DAED6}"/>
           </ac:spMkLst>
         </pc:spChg>
         <pc:spChg chg="mod">
@@ -2024,38 +1616,6 @@
             <pc:docMk/>
             <pc:sldMk cId="93989452" sldId="279"/>
             <ac:spMk id="7" creationId="{D86D73D2-5C7D-FECB-C7E0-4ECAAB95DD0A}"/>
-          </ac:spMkLst>
-        </pc:spChg>
-        <pc:spChg chg="del mod">
-          <ac:chgData name="승헌 백" userId="931022ae5b107afa" providerId="LiveId" clId="{70F84260-645C-4A2F-953E-0AB4E532312D}" dt="2025-06-22T10:49:49.788" v="1047" actId="478"/>
-          <ac:spMkLst>
-            <pc:docMk/>
-            <pc:sldMk cId="93989452" sldId="279"/>
-            <ac:spMk id="8" creationId="{B420531B-FFBF-35C7-2C9E-6A6B589D0733}"/>
-          </ac:spMkLst>
-        </pc:spChg>
-        <pc:spChg chg="add del mod">
-          <ac:chgData name="승헌 백" userId="931022ae5b107afa" providerId="LiveId" clId="{70F84260-645C-4A2F-953E-0AB4E532312D}" dt="2025-06-22T10:50:18.548" v="1069" actId="478"/>
-          <ac:spMkLst>
-            <pc:docMk/>
-            <pc:sldMk cId="93989452" sldId="279"/>
-            <ac:spMk id="9" creationId="{60F68C35-63D7-0593-C638-D86F5F4A4EA1}"/>
-          </ac:spMkLst>
-        </pc:spChg>
-        <pc:spChg chg="add del mod">
-          <ac:chgData name="승헌 백" userId="931022ae5b107afa" providerId="LiveId" clId="{70F84260-645C-4A2F-953E-0AB4E532312D}" dt="2025-06-22T10:50:43.197" v="1073" actId="478"/>
-          <ac:spMkLst>
-            <pc:docMk/>
-            <pc:sldMk cId="93989452" sldId="279"/>
-            <ac:spMk id="10" creationId="{B27132F7-3AA2-F53F-341E-99509513183A}"/>
-          </ac:spMkLst>
-        </pc:spChg>
-        <pc:spChg chg="add del mod">
-          <ac:chgData name="승헌 백" userId="931022ae5b107afa" providerId="LiveId" clId="{70F84260-645C-4A2F-953E-0AB4E532312D}" dt="2025-06-22T10:51:05.485" v="1076" actId="478"/>
-          <ac:spMkLst>
-            <pc:docMk/>
-            <pc:sldMk cId="93989452" sldId="279"/>
-            <ac:spMk id="11" creationId="{91C9EE81-BE3F-18A7-0350-0D432291104C}"/>
           </ac:spMkLst>
         </pc:spChg>
         <pc:spChg chg="add mod">
@@ -2185,116 +1745,12 @@
             <ac:spMk id="11" creationId="{D5A79C2A-06D6-8FEF-8949-29DFA9A782DC}"/>
           </ac:spMkLst>
         </pc:spChg>
-        <pc:spChg chg="del">
-          <ac:chgData name="승헌 백" userId="931022ae5b107afa" providerId="LiveId" clId="{70F84260-645C-4A2F-953E-0AB4E532312D}" dt="2025-06-22T10:51:56.148" v="1123" actId="478"/>
-          <ac:spMkLst>
-            <pc:docMk/>
-            <pc:sldMk cId="3742931221" sldId="280"/>
-            <ac:spMk id="12" creationId="{01BB1A4A-B4F4-3F34-0434-69213D04962F}"/>
-          </ac:spMkLst>
-        </pc:spChg>
-        <pc:spChg chg="del">
-          <ac:chgData name="승헌 백" userId="931022ae5b107afa" providerId="LiveId" clId="{70F84260-645C-4A2F-953E-0AB4E532312D}" dt="2025-06-22T10:51:56.148" v="1123" actId="478"/>
-          <ac:spMkLst>
-            <pc:docMk/>
-            <pc:sldMk cId="3742931221" sldId="280"/>
-            <ac:spMk id="13" creationId="{D78A4AA9-BD83-FF0F-F46D-77C5DED91D29}"/>
-          </ac:spMkLst>
-        </pc:spChg>
-        <pc:spChg chg="mod">
-          <ac:chgData name="승헌 백" userId="931022ae5b107afa" providerId="LiveId" clId="{70F84260-645C-4A2F-953E-0AB4E532312D}" dt="2025-06-22T10:58:03.776" v="1178"/>
-          <ac:spMkLst>
-            <pc:docMk/>
-            <pc:sldMk cId="3742931221" sldId="280"/>
-            <ac:spMk id="14" creationId="{12E9E9A8-E679-FC1A-B589-0D9963743101}"/>
-          </ac:spMkLst>
-        </pc:spChg>
-        <pc:spChg chg="del">
-          <ac:chgData name="승헌 백" userId="931022ae5b107afa" providerId="LiveId" clId="{70F84260-645C-4A2F-953E-0AB4E532312D}" dt="2025-06-22T10:51:56.148" v="1123" actId="478"/>
-          <ac:spMkLst>
-            <pc:docMk/>
-            <pc:sldMk cId="3742931221" sldId="280"/>
-            <ac:spMk id="14" creationId="{B935960D-BB82-BF23-7938-F7176840A9E9}"/>
-          </ac:spMkLst>
-        </pc:spChg>
-        <pc:spChg chg="mod">
-          <ac:chgData name="승헌 백" userId="931022ae5b107afa" providerId="LiveId" clId="{70F84260-645C-4A2F-953E-0AB4E532312D}" dt="2025-06-22T10:58:03.776" v="1178"/>
-          <ac:spMkLst>
-            <pc:docMk/>
-            <pc:sldMk cId="3742931221" sldId="280"/>
-            <ac:spMk id="15" creationId="{5429AB36-9B37-6182-EEE1-88EC61ACF17F}"/>
-          </ac:spMkLst>
-        </pc:spChg>
-        <pc:spChg chg="del">
-          <ac:chgData name="승헌 백" userId="931022ae5b107afa" providerId="LiveId" clId="{70F84260-645C-4A2F-953E-0AB4E532312D}" dt="2025-06-22T10:51:55.148" v="1122" actId="478"/>
-          <ac:spMkLst>
-            <pc:docMk/>
-            <pc:sldMk cId="3742931221" sldId="280"/>
-            <ac:spMk id="15" creationId="{C2AB9884-8BBF-FC9B-D475-CC7AFB0F7443}"/>
-          </ac:spMkLst>
-        </pc:spChg>
-        <pc:spChg chg="mod">
-          <ac:chgData name="승헌 백" userId="931022ae5b107afa" providerId="LiveId" clId="{70F84260-645C-4A2F-953E-0AB4E532312D}" dt="2025-06-22T10:58:03.776" v="1178"/>
-          <ac:spMkLst>
-            <pc:docMk/>
-            <pc:sldMk cId="3742931221" sldId="280"/>
-            <ac:spMk id="16" creationId="{CF6CAE72-2BAB-22F1-A568-DC2364C3B5B1}"/>
-          </ac:spMkLst>
-        </pc:spChg>
-        <pc:spChg chg="mod">
-          <ac:chgData name="승헌 백" userId="931022ae5b107afa" providerId="LiveId" clId="{70F84260-645C-4A2F-953E-0AB4E532312D}" dt="2025-06-22T10:58:03.776" v="1178"/>
-          <ac:spMkLst>
-            <pc:docMk/>
-            <pc:sldMk cId="3742931221" sldId="280"/>
-            <ac:spMk id="18" creationId="{1065F4E4-3276-654A-8154-4E2CE1CA8EC3}"/>
-          </ac:spMkLst>
-        </pc:spChg>
-        <pc:spChg chg="mod">
-          <ac:chgData name="승헌 백" userId="931022ae5b107afa" providerId="LiveId" clId="{70F84260-645C-4A2F-953E-0AB4E532312D}" dt="2025-06-22T10:58:03.776" v="1178"/>
-          <ac:spMkLst>
-            <pc:docMk/>
-            <pc:sldMk cId="3742931221" sldId="280"/>
-            <ac:spMk id="20" creationId="{DF795E4E-60FD-EE8E-3DD1-8E83798C5594}"/>
-          </ac:spMkLst>
-        </pc:spChg>
-        <pc:spChg chg="mod">
-          <ac:chgData name="승헌 백" userId="931022ae5b107afa" providerId="LiveId" clId="{70F84260-645C-4A2F-953E-0AB4E532312D}" dt="2025-06-22T10:58:03.776" v="1178"/>
-          <ac:spMkLst>
-            <pc:docMk/>
-            <pc:sldMk cId="3742931221" sldId="280"/>
-            <ac:spMk id="22" creationId="{CC0EB5F6-0411-2C4B-0674-AA2D9B8A7B4F}"/>
-          </ac:spMkLst>
-        </pc:spChg>
-        <pc:spChg chg="mod">
-          <ac:chgData name="승헌 백" userId="931022ae5b107afa" providerId="LiveId" clId="{70F84260-645C-4A2F-953E-0AB4E532312D}" dt="2025-06-22T10:58:03.776" v="1178"/>
-          <ac:spMkLst>
-            <pc:docMk/>
-            <pc:sldMk cId="3742931221" sldId="280"/>
-            <ac:spMk id="23" creationId="{4739C567-2516-BA1E-9396-5CC0577FD749}"/>
-          </ac:spMkLst>
-        </pc:spChg>
-        <pc:spChg chg="mod">
-          <ac:chgData name="승헌 백" userId="931022ae5b107afa" providerId="LiveId" clId="{70F84260-645C-4A2F-953E-0AB4E532312D}" dt="2025-06-22T10:58:03.776" v="1178"/>
-          <ac:spMkLst>
-            <pc:docMk/>
-            <pc:sldMk cId="3742931221" sldId="280"/>
-            <ac:spMk id="24" creationId="{BDBE8BE0-4E30-68D1-21D4-26C0EE6813EC}"/>
-          </ac:spMkLst>
-        </pc:spChg>
         <pc:grpChg chg="mod">
           <ac:chgData name="승헌 백" userId="931022ae5b107afa" providerId="LiveId" clId="{70F84260-645C-4A2F-953E-0AB4E532312D}" dt="2025-06-22T10:58:16.799" v="1185" actId="1076"/>
           <ac:grpSpMkLst>
             <pc:docMk/>
             <pc:sldMk cId="3742931221" sldId="280"/>
             <ac:grpSpMk id="12" creationId="{E5229274-9A6C-4A7F-A50D-E199162EC1E4}"/>
-          </ac:grpSpMkLst>
-        </pc:grpChg>
-        <pc:grpChg chg="add mod">
-          <ac:chgData name="승헌 백" userId="931022ae5b107afa" providerId="LiveId" clId="{70F84260-645C-4A2F-953E-0AB4E532312D}" dt="2025-06-22T10:58:17.061" v="1186" actId="1076"/>
-          <ac:grpSpMkLst>
-            <pc:docMk/>
-            <pc:sldMk cId="3742931221" sldId="280"/>
-            <ac:grpSpMk id="13" creationId="{C896DB75-B032-3AEF-71A2-D6D2146495EB}"/>
           </ac:grpSpMkLst>
         </pc:grpChg>
         <pc:cxnChg chg="add">
@@ -2474,7 +1930,7 @@
           <a:p>
             <a:fld id="{0ADC9523-1A87-4B20-8A88-493099FC71F2}" type="datetimeFigureOut">
               <a:rPr lang="ko-KR" altLang="en-US" smtClean="0"/>
-              <a:t>2025-06-22</a:t>
+              <a:t>2025-06-24</a:t>
             </a:fld>
             <a:endParaRPr lang="ko-KR" altLang="en-US"/>
           </a:p>
@@ -2672,7 +2128,7 @@
           <a:p>
             <a:fld id="{0ADC9523-1A87-4B20-8A88-493099FC71F2}" type="datetimeFigureOut">
               <a:rPr lang="ko-KR" altLang="en-US" smtClean="0"/>
-              <a:t>2025-06-22</a:t>
+              <a:t>2025-06-24</a:t>
             </a:fld>
             <a:endParaRPr lang="ko-KR" altLang="en-US"/>
           </a:p>
@@ -2880,7 +2336,7 @@
           <a:p>
             <a:fld id="{0ADC9523-1A87-4B20-8A88-493099FC71F2}" type="datetimeFigureOut">
               <a:rPr lang="ko-KR" altLang="en-US" smtClean="0"/>
-              <a:t>2025-06-22</a:t>
+              <a:t>2025-06-24</a:t>
             </a:fld>
             <a:endParaRPr lang="ko-KR" altLang="en-US"/>
           </a:p>
@@ -3078,7 +2534,7 @@
           <a:p>
             <a:fld id="{0ADC9523-1A87-4B20-8A88-493099FC71F2}" type="datetimeFigureOut">
               <a:rPr lang="ko-KR" altLang="en-US" smtClean="0"/>
-              <a:t>2025-06-22</a:t>
+              <a:t>2025-06-24</a:t>
             </a:fld>
             <a:endParaRPr lang="ko-KR" altLang="en-US"/>
           </a:p>
@@ -3353,7 +2809,7 @@
           <a:p>
             <a:fld id="{0ADC9523-1A87-4B20-8A88-493099FC71F2}" type="datetimeFigureOut">
               <a:rPr lang="ko-KR" altLang="en-US" smtClean="0"/>
-              <a:t>2025-06-22</a:t>
+              <a:t>2025-06-24</a:t>
             </a:fld>
             <a:endParaRPr lang="ko-KR" altLang="en-US"/>
           </a:p>
@@ -3618,7 +3074,7 @@
           <a:p>
             <a:fld id="{0ADC9523-1A87-4B20-8A88-493099FC71F2}" type="datetimeFigureOut">
               <a:rPr lang="ko-KR" altLang="en-US" smtClean="0"/>
-              <a:t>2025-06-22</a:t>
+              <a:t>2025-06-24</a:t>
             </a:fld>
             <a:endParaRPr lang="ko-KR" altLang="en-US"/>
           </a:p>
@@ -4030,7 +3486,7 @@
           <a:p>
             <a:fld id="{0ADC9523-1A87-4B20-8A88-493099FC71F2}" type="datetimeFigureOut">
               <a:rPr lang="ko-KR" altLang="en-US" smtClean="0"/>
-              <a:t>2025-06-22</a:t>
+              <a:t>2025-06-24</a:t>
             </a:fld>
             <a:endParaRPr lang="ko-KR" altLang="en-US"/>
           </a:p>
@@ -4171,7 +3627,7 @@
           <a:p>
             <a:fld id="{0ADC9523-1A87-4B20-8A88-493099FC71F2}" type="datetimeFigureOut">
               <a:rPr lang="ko-KR" altLang="en-US" smtClean="0"/>
-              <a:t>2025-06-22</a:t>
+              <a:t>2025-06-24</a:t>
             </a:fld>
             <a:endParaRPr lang="ko-KR" altLang="en-US"/>
           </a:p>
@@ -4284,7 +3740,7 @@
           <a:p>
             <a:fld id="{0ADC9523-1A87-4B20-8A88-493099FC71F2}" type="datetimeFigureOut">
               <a:rPr lang="ko-KR" altLang="en-US" smtClean="0"/>
-              <a:t>2025-06-22</a:t>
+              <a:t>2025-06-24</a:t>
             </a:fld>
             <a:endParaRPr lang="ko-KR" altLang="en-US"/>
           </a:p>
@@ -4595,7 +4051,7 @@
           <a:p>
             <a:fld id="{0ADC9523-1A87-4B20-8A88-493099FC71F2}" type="datetimeFigureOut">
               <a:rPr lang="ko-KR" altLang="en-US" smtClean="0"/>
-              <a:t>2025-06-22</a:t>
+              <a:t>2025-06-24</a:t>
             </a:fld>
             <a:endParaRPr lang="ko-KR" altLang="en-US"/>
           </a:p>
@@ -4883,7 +4339,7 @@
           <a:p>
             <a:fld id="{0ADC9523-1A87-4B20-8A88-493099FC71F2}" type="datetimeFigureOut">
               <a:rPr lang="ko-KR" altLang="en-US" smtClean="0"/>
-              <a:t>2025-06-22</a:t>
+              <a:t>2025-06-24</a:t>
             </a:fld>
             <a:endParaRPr lang="ko-KR" altLang="en-US"/>
           </a:p>
@@ -5124,7 +4580,7 @@
           <a:p>
             <a:fld id="{0ADC9523-1A87-4B20-8A88-493099FC71F2}" type="datetimeFigureOut">
               <a:rPr lang="ko-KR" altLang="en-US" smtClean="0"/>
-              <a:t>2025-06-22</a:t>
+              <a:t>2025-06-24</a:t>
             </a:fld>
             <a:endParaRPr lang="ko-KR" altLang="en-US"/>
           </a:p>
@@ -5541,283 +4997,304 @@
           <a:chExt cx="0" cy="0"/>
         </a:xfrm>
       </p:grpSpPr>
-      <p:sp>
-        <p:nvSpPr>
-          <p:cNvPr id="2" name="TextBox 1">
-            <a:extLst>
-              <a:ext uri="{FF2B5EF4-FFF2-40B4-BE49-F238E27FC236}">
-                <a16:creationId xmlns:a16="http://schemas.microsoft.com/office/drawing/2014/main" id="{092A943E-D432-1D5C-0C57-66A88C706792}"/>
-              </a:ext>
-            </a:extLst>
-          </p:cNvPr>
-          <p:cNvSpPr txBox="1"/>
+      <p:grpSp>
+        <p:nvGrpSpPr>
+          <p:cNvPr id="3" name="그룹 2">
+            <a:extLst>
+              <a:ext uri="{FF2B5EF4-FFF2-40B4-BE49-F238E27FC236}">
+                <a16:creationId xmlns:a16="http://schemas.microsoft.com/office/drawing/2014/main" id="{67BCBC09-883C-C115-D882-29AC5F7A6551}"/>
+              </a:ext>
+            </a:extLst>
+          </p:cNvPr>
+          <p:cNvGrpSpPr/>
           <p:nvPr/>
-        </p:nvSpPr>
-        <p:spPr>
+        </p:nvGrpSpPr>
+        <p:grpSpPr>
           <a:xfrm>
             <a:off x="3101179" y="415131"/>
-            <a:ext cx="6027737" cy="369332"/>
-          </a:xfrm>
-          <a:prstGeom prst="rect">
-            <a:avLst/>
-          </a:prstGeom>
-          <a:solidFill>
-            <a:schemeClr val="bg2"/>
-          </a:solidFill>
-        </p:spPr>
-        <p:txBody>
-          <a:bodyPr wrap="square" rtlCol="0">
-            <a:spAutoFit/>
-          </a:bodyPr>
-          <a:lstStyle/>
-          <a:p>
-            <a:pPr algn="ctr"/>
-            <a:r>
-              <a:rPr lang="ko-KR" altLang="en-US" dirty="0"/>
-              <a:t>기본 공격 유형</a:t>
-            </a:r>
-            <a:r>
-              <a:rPr lang="en-US" altLang="ko-KR" dirty="0"/>
-              <a:t>_</a:t>
-            </a:r>
-            <a:r>
-              <a:rPr lang="ko-KR" altLang="en-US" dirty="0" err="1"/>
-              <a:t>직선탄</a:t>
-            </a:r>
-            <a:r>
-              <a:rPr lang="en-US" altLang="ko-KR" dirty="0"/>
-              <a:t>(</a:t>
-            </a:r>
-            <a:r>
-              <a:rPr lang="ko-KR" altLang="en-US" dirty="0"/>
-              <a:t>난이도 </a:t>
-            </a:r>
-            <a:r>
-              <a:rPr lang="en-US" altLang="ko-KR" dirty="0"/>
-              <a:t>0)</a:t>
-            </a:r>
-            <a:endParaRPr lang="ko-KR" altLang="en-US" dirty="0"/>
-          </a:p>
-        </p:txBody>
-      </p:sp>
-      <p:sp>
-        <p:nvSpPr>
-          <p:cNvPr id="4" name="직사각형 3">
-            <a:extLst>
-              <a:ext uri="{FF2B5EF4-FFF2-40B4-BE49-F238E27FC236}">
-                <a16:creationId xmlns:a16="http://schemas.microsoft.com/office/drawing/2014/main" id="{946B771B-5E61-6A5E-A820-F7BD12C83916}"/>
-              </a:ext>
-            </a:extLst>
-          </p:cNvPr>
-          <p:cNvSpPr/>
-          <p:nvPr/>
-        </p:nvSpPr>
-        <p:spPr>
-          <a:xfrm>
-            <a:off x="5262562" y="4912880"/>
-            <a:ext cx="1362075" cy="1362075"/>
-          </a:xfrm>
-          <a:prstGeom prst="rect">
-            <a:avLst/>
-          </a:prstGeom>
-          <a:solidFill>
-            <a:schemeClr val="accent1">
-              <a:lumMod val="40000"/>
-              <a:lumOff val="60000"/>
-            </a:schemeClr>
-          </a:solidFill>
-          <a:ln>
-            <a:noFill/>
-          </a:ln>
-        </p:spPr>
-        <p:style>
-          <a:lnRef idx="2">
-            <a:schemeClr val="accent1">
-              <a:shade val="15000"/>
-            </a:schemeClr>
-          </a:lnRef>
-          <a:fillRef idx="1">
-            <a:schemeClr val="accent1"/>
-          </a:fillRef>
-          <a:effectRef idx="0">
-            <a:schemeClr val="accent1"/>
-          </a:effectRef>
-          <a:fontRef idx="minor">
-            <a:schemeClr val="lt1"/>
-          </a:fontRef>
-        </p:style>
-        <p:txBody>
-          <a:bodyPr rtlCol="0" anchor="ctr"/>
-          <a:lstStyle/>
-          <a:p>
-            <a:pPr algn="ctr"/>
-            <a:endParaRPr lang="ko-KR" altLang="en-US"/>
-          </a:p>
-        </p:txBody>
-      </p:sp>
-      <p:sp>
-        <p:nvSpPr>
-          <p:cNvPr id="5" name="화살표: 아래쪽 4">
-            <a:extLst>
-              <a:ext uri="{FF2B5EF4-FFF2-40B4-BE49-F238E27FC236}">
-                <a16:creationId xmlns:a16="http://schemas.microsoft.com/office/drawing/2014/main" id="{2B3C2170-CC03-2E47-4A14-CD1507E79311}"/>
-              </a:ext>
-            </a:extLst>
-          </p:cNvPr>
-          <p:cNvSpPr/>
-          <p:nvPr/>
-        </p:nvSpPr>
-        <p:spPr>
-          <a:xfrm>
-            <a:off x="5772149" y="2584450"/>
-            <a:ext cx="342900" cy="723900"/>
-          </a:xfrm>
-          <a:prstGeom prst="downArrow">
-            <a:avLst/>
-          </a:prstGeom>
-          <a:solidFill>
-            <a:srgbClr val="FF0000"/>
-          </a:solidFill>
-          <a:ln>
-            <a:noFill/>
-          </a:ln>
-        </p:spPr>
-        <p:style>
-          <a:lnRef idx="2">
-            <a:schemeClr val="accent1">
-              <a:shade val="15000"/>
-            </a:schemeClr>
-          </a:lnRef>
-          <a:fillRef idx="1">
-            <a:schemeClr val="accent1"/>
-          </a:fillRef>
-          <a:effectRef idx="0">
-            <a:schemeClr val="accent1"/>
-          </a:effectRef>
-          <a:fontRef idx="minor">
-            <a:schemeClr val="lt1"/>
-          </a:fontRef>
-        </p:style>
-        <p:txBody>
-          <a:bodyPr rtlCol="0" anchor="ctr"/>
-          <a:lstStyle/>
-          <a:p>
-            <a:pPr algn="ctr"/>
-            <a:endParaRPr lang="ko-KR" altLang="en-US"/>
-          </a:p>
-        </p:txBody>
-      </p:sp>
-      <p:sp>
-        <p:nvSpPr>
-          <p:cNvPr id="6" name="직사각형 5">
-            <a:extLst>
-              <a:ext uri="{FF2B5EF4-FFF2-40B4-BE49-F238E27FC236}">
-                <a16:creationId xmlns:a16="http://schemas.microsoft.com/office/drawing/2014/main" id="{5A2DFC7F-624C-26D6-8DD2-363BDD0541EE}"/>
-              </a:ext>
-            </a:extLst>
-          </p:cNvPr>
-          <p:cNvSpPr/>
-          <p:nvPr/>
-        </p:nvSpPr>
-        <p:spPr>
-          <a:xfrm>
-            <a:off x="5355430" y="1022784"/>
-            <a:ext cx="1176338" cy="1176338"/>
-          </a:xfrm>
-          <a:prstGeom prst="rect">
-            <a:avLst/>
-          </a:prstGeom>
-          <a:solidFill>
-            <a:schemeClr val="accent3">
-              <a:lumMod val="20000"/>
-              <a:lumOff val="80000"/>
-            </a:schemeClr>
-          </a:solidFill>
-          <a:ln>
-            <a:noFill/>
-          </a:ln>
-        </p:spPr>
-        <p:style>
-          <a:lnRef idx="2">
-            <a:schemeClr val="accent1">
-              <a:shade val="15000"/>
-            </a:schemeClr>
-          </a:lnRef>
-          <a:fillRef idx="1">
-            <a:schemeClr val="accent1"/>
-          </a:fillRef>
-          <a:effectRef idx="0">
-            <a:schemeClr val="accent1"/>
-          </a:effectRef>
-          <a:fontRef idx="minor">
-            <a:schemeClr val="lt1"/>
-          </a:fontRef>
-        </p:style>
-        <p:txBody>
-          <a:bodyPr rtlCol="0" anchor="ctr"/>
-          <a:lstStyle/>
-          <a:p>
-            <a:pPr algn="ctr"/>
-            <a:endParaRPr lang="ko-KR" altLang="en-US"/>
-          </a:p>
-        </p:txBody>
-      </p:sp>
-      <p:sp>
-        <p:nvSpPr>
-          <p:cNvPr id="7" name="직사각형 6">
-            <a:extLst>
-              <a:ext uri="{FF2B5EF4-FFF2-40B4-BE49-F238E27FC236}">
-                <a16:creationId xmlns:a16="http://schemas.microsoft.com/office/drawing/2014/main" id="{8DF6617B-2D10-5E94-0B04-2CEE842F86C4}"/>
-              </a:ext>
-            </a:extLst>
-          </p:cNvPr>
-          <p:cNvSpPr>
-            <a:spLocks/>
-          </p:cNvSpPr>
-          <p:nvPr/>
-        </p:nvSpPr>
-        <p:spPr>
-          <a:xfrm>
-            <a:off x="3101180" y="415131"/>
-            <a:ext cx="6027738" cy="6027738"/>
-          </a:xfrm>
-          <a:prstGeom prst="rect">
-            <a:avLst/>
-          </a:prstGeom>
-          <a:noFill/>
-          <a:ln>
+            <a:ext cx="6027739" cy="6027738"/>
+            <a:chOff x="3101179" y="415131"/>
+            <a:chExt cx="6027739" cy="6027738"/>
+          </a:xfrm>
+        </p:grpSpPr>
+        <p:sp>
+          <p:nvSpPr>
+            <p:cNvPr id="2" name="TextBox 1">
+              <a:extLst>
+                <a:ext uri="{FF2B5EF4-FFF2-40B4-BE49-F238E27FC236}">
+                  <a16:creationId xmlns:a16="http://schemas.microsoft.com/office/drawing/2014/main" id="{092A943E-D432-1D5C-0C57-66A88C706792}"/>
+                </a:ext>
+              </a:extLst>
+            </p:cNvPr>
+            <p:cNvSpPr txBox="1"/>
+            <p:nvPr/>
+          </p:nvSpPr>
+          <p:spPr>
+            <a:xfrm>
+              <a:off x="3101179" y="415131"/>
+              <a:ext cx="6027737" cy="369332"/>
+            </a:xfrm>
+            <a:prstGeom prst="rect">
+              <a:avLst/>
+            </a:prstGeom>
             <a:solidFill>
+              <a:schemeClr val="bg2"/>
+            </a:solidFill>
+          </p:spPr>
+          <p:txBody>
+            <a:bodyPr wrap="square" rtlCol="0">
+              <a:spAutoFit/>
+            </a:bodyPr>
+            <a:lstStyle/>
+            <a:p>
+              <a:pPr algn="ctr"/>
+              <a:r>
+                <a:rPr lang="ko-KR" altLang="en-US" dirty="0"/>
+                <a:t>기본 공격 유형</a:t>
+              </a:r>
+              <a:r>
+                <a:rPr lang="en-US" altLang="ko-KR" dirty="0"/>
+                <a:t>_</a:t>
+              </a:r>
+              <a:r>
+                <a:rPr lang="ko-KR" altLang="en-US" dirty="0" err="1"/>
+                <a:t>직선탄</a:t>
+              </a:r>
+              <a:r>
+                <a:rPr lang="en-US" altLang="ko-KR" dirty="0"/>
+                <a:t>(</a:t>
+              </a:r>
+              <a:r>
+                <a:rPr lang="ko-KR" altLang="en-US" dirty="0"/>
+                <a:t>난이도 </a:t>
+              </a:r>
+              <a:r>
+                <a:rPr lang="en-US" altLang="ko-KR" dirty="0"/>
+                <a:t>0)</a:t>
+              </a:r>
+              <a:endParaRPr lang="ko-KR" altLang="en-US" dirty="0"/>
+            </a:p>
+          </p:txBody>
+        </p:sp>
+        <p:sp>
+          <p:nvSpPr>
+            <p:cNvPr id="4" name="직사각형 3">
+              <a:extLst>
+                <a:ext uri="{FF2B5EF4-FFF2-40B4-BE49-F238E27FC236}">
+                  <a16:creationId xmlns:a16="http://schemas.microsoft.com/office/drawing/2014/main" id="{946B771B-5E61-6A5E-A820-F7BD12C83916}"/>
+                </a:ext>
+              </a:extLst>
+            </p:cNvPr>
+            <p:cNvSpPr/>
+            <p:nvPr/>
+          </p:nvSpPr>
+          <p:spPr>
+            <a:xfrm>
+              <a:off x="5262562" y="4912880"/>
+              <a:ext cx="1362075" cy="1362075"/>
+            </a:xfrm>
+            <a:prstGeom prst="rect">
+              <a:avLst/>
+            </a:prstGeom>
+            <a:solidFill>
+              <a:schemeClr val="accent1">
+                <a:lumMod val="40000"/>
+                <a:lumOff val="60000"/>
+              </a:schemeClr>
+            </a:solidFill>
+            <a:ln>
+              <a:noFill/>
+            </a:ln>
+          </p:spPr>
+          <p:style>
+            <a:lnRef idx="2">
               <a:schemeClr val="accent1">
                 <a:shade val="15000"/>
               </a:schemeClr>
+            </a:lnRef>
+            <a:fillRef idx="1">
+              <a:schemeClr val="accent1"/>
+            </a:fillRef>
+            <a:effectRef idx="0">
+              <a:schemeClr val="accent1"/>
+            </a:effectRef>
+            <a:fontRef idx="minor">
+              <a:schemeClr val="lt1"/>
+            </a:fontRef>
+          </p:style>
+          <p:txBody>
+            <a:bodyPr rtlCol="0" anchor="ctr"/>
+            <a:lstStyle/>
+            <a:p>
+              <a:pPr algn="ctr"/>
+              <a:endParaRPr lang="ko-KR" altLang="en-US"/>
+            </a:p>
+          </p:txBody>
+        </p:sp>
+        <p:sp>
+          <p:nvSpPr>
+            <p:cNvPr id="5" name="화살표: 아래쪽 4">
+              <a:extLst>
+                <a:ext uri="{FF2B5EF4-FFF2-40B4-BE49-F238E27FC236}">
+                  <a16:creationId xmlns:a16="http://schemas.microsoft.com/office/drawing/2014/main" id="{2B3C2170-CC03-2E47-4A14-CD1507E79311}"/>
+                </a:ext>
+              </a:extLst>
+            </p:cNvPr>
+            <p:cNvSpPr/>
+            <p:nvPr/>
+          </p:nvSpPr>
+          <p:spPr>
+            <a:xfrm>
+              <a:off x="5772149" y="2584450"/>
+              <a:ext cx="342900" cy="723900"/>
+            </a:xfrm>
+            <a:prstGeom prst="downArrow">
+              <a:avLst/>
+            </a:prstGeom>
+            <a:solidFill>
+              <a:srgbClr val="FF0000"/>
             </a:solidFill>
-          </a:ln>
-        </p:spPr>
-        <p:style>
-          <a:lnRef idx="2">
-            <a:schemeClr val="accent1">
-              <a:shade val="15000"/>
-            </a:schemeClr>
-          </a:lnRef>
-          <a:fillRef idx="1">
-            <a:schemeClr val="accent1"/>
-          </a:fillRef>
-          <a:effectRef idx="0">
-            <a:schemeClr val="accent1"/>
-          </a:effectRef>
-          <a:fontRef idx="minor">
-            <a:schemeClr val="lt1"/>
-          </a:fontRef>
-        </p:style>
-        <p:txBody>
-          <a:bodyPr rtlCol="0" anchor="ctr"/>
-          <a:lstStyle/>
-          <a:p>
-            <a:pPr algn="ctr"/>
-            <a:endParaRPr lang="ko-KR" altLang="en-US"/>
-          </a:p>
-        </p:txBody>
-      </p:sp>
+            <a:ln>
+              <a:noFill/>
+            </a:ln>
+          </p:spPr>
+          <p:style>
+            <a:lnRef idx="2">
+              <a:schemeClr val="accent1">
+                <a:shade val="15000"/>
+              </a:schemeClr>
+            </a:lnRef>
+            <a:fillRef idx="1">
+              <a:schemeClr val="accent1"/>
+            </a:fillRef>
+            <a:effectRef idx="0">
+              <a:schemeClr val="accent1"/>
+            </a:effectRef>
+            <a:fontRef idx="minor">
+              <a:schemeClr val="lt1"/>
+            </a:fontRef>
+          </p:style>
+          <p:txBody>
+            <a:bodyPr rtlCol="0" anchor="ctr"/>
+            <a:lstStyle/>
+            <a:p>
+              <a:pPr algn="ctr"/>
+              <a:endParaRPr lang="ko-KR" altLang="en-US"/>
+            </a:p>
+          </p:txBody>
+        </p:sp>
+        <p:sp>
+          <p:nvSpPr>
+            <p:cNvPr id="6" name="직사각형 5">
+              <a:extLst>
+                <a:ext uri="{FF2B5EF4-FFF2-40B4-BE49-F238E27FC236}">
+                  <a16:creationId xmlns:a16="http://schemas.microsoft.com/office/drawing/2014/main" id="{5A2DFC7F-624C-26D6-8DD2-363BDD0541EE}"/>
+                </a:ext>
+              </a:extLst>
+            </p:cNvPr>
+            <p:cNvSpPr/>
+            <p:nvPr/>
+          </p:nvSpPr>
+          <p:spPr>
+            <a:xfrm>
+              <a:off x="5355430" y="1022784"/>
+              <a:ext cx="1176338" cy="1176338"/>
+            </a:xfrm>
+            <a:prstGeom prst="rect">
+              <a:avLst/>
+            </a:prstGeom>
+            <a:solidFill>
+              <a:schemeClr val="accent3">
+                <a:lumMod val="20000"/>
+                <a:lumOff val="80000"/>
+              </a:schemeClr>
+            </a:solidFill>
+            <a:ln>
+              <a:noFill/>
+            </a:ln>
+          </p:spPr>
+          <p:style>
+            <a:lnRef idx="2">
+              <a:schemeClr val="accent1">
+                <a:shade val="15000"/>
+              </a:schemeClr>
+            </a:lnRef>
+            <a:fillRef idx="1">
+              <a:schemeClr val="accent1"/>
+            </a:fillRef>
+            <a:effectRef idx="0">
+              <a:schemeClr val="accent1"/>
+            </a:effectRef>
+            <a:fontRef idx="minor">
+              <a:schemeClr val="lt1"/>
+            </a:fontRef>
+          </p:style>
+          <p:txBody>
+            <a:bodyPr rtlCol="0" anchor="ctr"/>
+            <a:lstStyle/>
+            <a:p>
+              <a:pPr algn="ctr"/>
+              <a:endParaRPr lang="ko-KR" altLang="en-US"/>
+            </a:p>
+          </p:txBody>
+        </p:sp>
+        <p:sp>
+          <p:nvSpPr>
+            <p:cNvPr id="7" name="직사각형 6">
+              <a:extLst>
+                <a:ext uri="{FF2B5EF4-FFF2-40B4-BE49-F238E27FC236}">
+                  <a16:creationId xmlns:a16="http://schemas.microsoft.com/office/drawing/2014/main" id="{8DF6617B-2D10-5E94-0B04-2CEE842F86C4}"/>
+                </a:ext>
+              </a:extLst>
+            </p:cNvPr>
+            <p:cNvSpPr>
+              <a:spLocks/>
+            </p:cNvSpPr>
+            <p:nvPr/>
+          </p:nvSpPr>
+          <p:spPr>
+            <a:xfrm>
+              <a:off x="3101180" y="415131"/>
+              <a:ext cx="6027738" cy="6027738"/>
+            </a:xfrm>
+            <a:prstGeom prst="rect">
+              <a:avLst/>
+            </a:prstGeom>
+            <a:noFill/>
+            <a:ln>
+              <a:solidFill>
+                <a:schemeClr val="accent1">
+                  <a:shade val="15000"/>
+                </a:schemeClr>
+              </a:solidFill>
+            </a:ln>
+          </p:spPr>
+          <p:style>
+            <a:lnRef idx="2">
+              <a:schemeClr val="accent1">
+                <a:shade val="15000"/>
+              </a:schemeClr>
+            </a:lnRef>
+            <a:fillRef idx="1">
+              <a:schemeClr val="accent1"/>
+            </a:fillRef>
+            <a:effectRef idx="0">
+              <a:schemeClr val="accent1"/>
+            </a:effectRef>
+            <a:fontRef idx="minor">
+              <a:schemeClr val="lt1"/>
+            </a:fontRef>
+          </p:style>
+          <p:txBody>
+            <a:bodyPr rtlCol="0" anchor="ctr"/>
+            <a:lstStyle/>
+            <a:p>
+              <a:pPr algn="ctr"/>
+              <a:endParaRPr lang="ko-KR" altLang="en-US"/>
+            </a:p>
+          </p:txBody>
+        </p:sp>
+      </p:grpSp>
     </p:spTree>
     <p:extLst>
       <p:ext uri="{BB962C8B-B14F-4D97-AF65-F5344CB8AC3E}">
@@ -14197,387 +13674,408 @@
           <a:chExt cx="0" cy="0"/>
         </a:xfrm>
       </p:grpSpPr>
-      <p:sp>
-        <p:nvSpPr>
-          <p:cNvPr id="2" name="TextBox 1">
-            <a:extLst>
-              <a:ext uri="{FF2B5EF4-FFF2-40B4-BE49-F238E27FC236}">
-                <a16:creationId xmlns:a16="http://schemas.microsoft.com/office/drawing/2014/main" id="{97C611D7-7AD5-A326-0E43-1C7BC1858331}"/>
-              </a:ext>
-            </a:extLst>
-          </p:cNvPr>
-          <p:cNvSpPr txBox="1"/>
+      <p:grpSp>
+        <p:nvGrpSpPr>
+          <p:cNvPr id="9" name="그룹 8">
+            <a:extLst>
+              <a:ext uri="{FF2B5EF4-FFF2-40B4-BE49-F238E27FC236}">
+                <a16:creationId xmlns:a16="http://schemas.microsoft.com/office/drawing/2014/main" id="{08B000CB-DB9F-227B-BBBA-83C1B3B79769}"/>
+              </a:ext>
+            </a:extLst>
+          </p:cNvPr>
+          <p:cNvGrpSpPr/>
           <p:nvPr/>
-        </p:nvSpPr>
-        <p:spPr>
+        </p:nvGrpSpPr>
+        <p:grpSpPr>
           <a:xfrm>
             <a:off x="3101179" y="415131"/>
-            <a:ext cx="6027737" cy="369332"/>
-          </a:xfrm>
-          <a:prstGeom prst="rect">
-            <a:avLst/>
-          </a:prstGeom>
-          <a:solidFill>
-            <a:schemeClr val="bg2"/>
-          </a:solidFill>
-        </p:spPr>
-        <p:txBody>
-          <a:bodyPr wrap="square" rtlCol="0">
-            <a:spAutoFit/>
-          </a:bodyPr>
-          <a:lstStyle/>
-          <a:p>
-            <a:pPr algn="ctr"/>
-            <a:r>
-              <a:rPr lang="ko-KR" altLang="en-US" dirty="0"/>
-              <a:t>기본 공격 유형</a:t>
-            </a:r>
-            <a:r>
-              <a:rPr lang="en-US" altLang="ko-KR" dirty="0"/>
-              <a:t>_</a:t>
-            </a:r>
-            <a:r>
-              <a:rPr lang="ko-KR" altLang="en-US" dirty="0" err="1"/>
-              <a:t>연사탄</a:t>
-            </a:r>
-            <a:r>
-              <a:rPr lang="en-US" altLang="ko-KR" dirty="0"/>
-              <a:t>(</a:t>
-            </a:r>
-            <a:r>
-              <a:rPr lang="ko-KR" altLang="en-US" dirty="0"/>
-              <a:t>난이도 </a:t>
-            </a:r>
-            <a:r>
-              <a:rPr lang="en-US" altLang="ko-KR" dirty="0"/>
-              <a:t>0)</a:t>
-            </a:r>
-            <a:endParaRPr lang="ko-KR" altLang="en-US" dirty="0"/>
-          </a:p>
-        </p:txBody>
-      </p:sp>
-      <p:sp>
-        <p:nvSpPr>
-          <p:cNvPr id="4" name="직사각형 3">
-            <a:extLst>
-              <a:ext uri="{FF2B5EF4-FFF2-40B4-BE49-F238E27FC236}">
-                <a16:creationId xmlns:a16="http://schemas.microsoft.com/office/drawing/2014/main" id="{18D1C326-5A5E-9FE6-C2FD-155AF1469F25}"/>
-              </a:ext>
-            </a:extLst>
-          </p:cNvPr>
-          <p:cNvSpPr/>
-          <p:nvPr/>
-        </p:nvSpPr>
-        <p:spPr>
-          <a:xfrm>
-            <a:off x="5262562" y="4912880"/>
-            <a:ext cx="1362075" cy="1362075"/>
-          </a:xfrm>
-          <a:prstGeom prst="rect">
-            <a:avLst/>
-          </a:prstGeom>
-          <a:solidFill>
-            <a:schemeClr val="accent1">
-              <a:lumMod val="40000"/>
-              <a:lumOff val="60000"/>
-            </a:schemeClr>
-          </a:solidFill>
-          <a:ln>
-            <a:noFill/>
-          </a:ln>
-        </p:spPr>
-        <p:style>
-          <a:lnRef idx="2">
-            <a:schemeClr val="accent1">
-              <a:shade val="15000"/>
-            </a:schemeClr>
-          </a:lnRef>
-          <a:fillRef idx="1">
-            <a:schemeClr val="accent1"/>
-          </a:fillRef>
-          <a:effectRef idx="0">
-            <a:schemeClr val="accent1"/>
-          </a:effectRef>
-          <a:fontRef idx="minor">
-            <a:schemeClr val="lt1"/>
-          </a:fontRef>
-        </p:style>
-        <p:txBody>
-          <a:bodyPr rtlCol="0" anchor="ctr"/>
-          <a:lstStyle/>
-          <a:p>
-            <a:pPr algn="ctr"/>
-            <a:endParaRPr lang="ko-KR" altLang="en-US"/>
-          </a:p>
-        </p:txBody>
-      </p:sp>
-      <p:sp>
-        <p:nvSpPr>
-          <p:cNvPr id="5" name="화살표: 아래쪽 4">
-            <a:extLst>
-              <a:ext uri="{FF2B5EF4-FFF2-40B4-BE49-F238E27FC236}">
-                <a16:creationId xmlns:a16="http://schemas.microsoft.com/office/drawing/2014/main" id="{2C0BD7FB-F847-640E-069D-C895EA7F8025}"/>
-              </a:ext>
-            </a:extLst>
-          </p:cNvPr>
-          <p:cNvSpPr/>
-          <p:nvPr/>
-        </p:nvSpPr>
-        <p:spPr>
-          <a:xfrm>
-            <a:off x="5772149" y="2584450"/>
-            <a:ext cx="342900" cy="501650"/>
-          </a:xfrm>
-          <a:prstGeom prst="downArrow">
-            <a:avLst/>
-          </a:prstGeom>
-          <a:solidFill>
-            <a:srgbClr val="FF0000"/>
-          </a:solidFill>
-          <a:ln>
-            <a:noFill/>
-          </a:ln>
-        </p:spPr>
-        <p:style>
-          <a:lnRef idx="2">
-            <a:schemeClr val="accent1">
-              <a:shade val="15000"/>
-            </a:schemeClr>
-          </a:lnRef>
-          <a:fillRef idx="1">
-            <a:schemeClr val="accent1"/>
-          </a:fillRef>
-          <a:effectRef idx="0">
-            <a:schemeClr val="accent1"/>
-          </a:effectRef>
-          <a:fontRef idx="minor">
-            <a:schemeClr val="lt1"/>
-          </a:fontRef>
-        </p:style>
-        <p:txBody>
-          <a:bodyPr rtlCol="0" anchor="ctr"/>
-          <a:lstStyle/>
-          <a:p>
-            <a:pPr algn="ctr"/>
-            <a:endParaRPr lang="ko-KR" altLang="en-US"/>
-          </a:p>
-        </p:txBody>
-      </p:sp>
-      <p:sp>
-        <p:nvSpPr>
-          <p:cNvPr id="6" name="직사각형 5">
-            <a:extLst>
-              <a:ext uri="{FF2B5EF4-FFF2-40B4-BE49-F238E27FC236}">
-                <a16:creationId xmlns:a16="http://schemas.microsoft.com/office/drawing/2014/main" id="{2D51A58E-EEAA-B154-B755-3EE6AC9C5B48}"/>
-              </a:ext>
-            </a:extLst>
-          </p:cNvPr>
-          <p:cNvSpPr/>
-          <p:nvPr/>
-        </p:nvSpPr>
-        <p:spPr>
-          <a:xfrm>
-            <a:off x="5355430" y="1022784"/>
-            <a:ext cx="1176338" cy="1176338"/>
-          </a:xfrm>
-          <a:prstGeom prst="rect">
-            <a:avLst/>
-          </a:prstGeom>
-          <a:solidFill>
-            <a:schemeClr val="accent3">
-              <a:lumMod val="20000"/>
-              <a:lumOff val="80000"/>
-            </a:schemeClr>
-          </a:solidFill>
-          <a:ln>
-            <a:noFill/>
-          </a:ln>
-        </p:spPr>
-        <p:style>
-          <a:lnRef idx="2">
-            <a:schemeClr val="accent1">
-              <a:shade val="15000"/>
-            </a:schemeClr>
-          </a:lnRef>
-          <a:fillRef idx="1">
-            <a:schemeClr val="accent1"/>
-          </a:fillRef>
-          <a:effectRef idx="0">
-            <a:schemeClr val="accent1"/>
-          </a:effectRef>
-          <a:fontRef idx="minor">
-            <a:schemeClr val="lt1"/>
-          </a:fontRef>
-        </p:style>
-        <p:txBody>
-          <a:bodyPr rtlCol="0" anchor="ctr"/>
-          <a:lstStyle/>
-          <a:p>
-            <a:pPr algn="ctr"/>
-            <a:endParaRPr lang="ko-KR" altLang="en-US"/>
-          </a:p>
-        </p:txBody>
-      </p:sp>
-      <p:sp>
-        <p:nvSpPr>
-          <p:cNvPr id="7" name="직사각형 6">
-            <a:extLst>
-              <a:ext uri="{FF2B5EF4-FFF2-40B4-BE49-F238E27FC236}">
-                <a16:creationId xmlns:a16="http://schemas.microsoft.com/office/drawing/2014/main" id="{384AFA6C-AAE6-C1D4-9491-94B703097A88}"/>
-              </a:ext>
-            </a:extLst>
-          </p:cNvPr>
-          <p:cNvSpPr>
-            <a:spLocks/>
-          </p:cNvSpPr>
-          <p:nvPr/>
-        </p:nvSpPr>
-        <p:spPr>
-          <a:xfrm>
-            <a:off x="3101180" y="415131"/>
-            <a:ext cx="6027738" cy="6027738"/>
-          </a:xfrm>
-          <a:prstGeom prst="rect">
-            <a:avLst/>
-          </a:prstGeom>
-          <a:noFill/>
-          <a:ln>
+            <a:ext cx="6027739" cy="6027738"/>
+            <a:chOff x="3101179" y="415131"/>
+            <a:chExt cx="6027739" cy="6027738"/>
+          </a:xfrm>
+        </p:grpSpPr>
+        <p:sp>
+          <p:nvSpPr>
+            <p:cNvPr id="2" name="TextBox 1">
+              <a:extLst>
+                <a:ext uri="{FF2B5EF4-FFF2-40B4-BE49-F238E27FC236}">
+                  <a16:creationId xmlns:a16="http://schemas.microsoft.com/office/drawing/2014/main" id="{97C611D7-7AD5-A326-0E43-1C7BC1858331}"/>
+                </a:ext>
+              </a:extLst>
+            </p:cNvPr>
+            <p:cNvSpPr txBox="1"/>
+            <p:nvPr/>
+          </p:nvSpPr>
+          <p:spPr>
+            <a:xfrm>
+              <a:off x="3101179" y="415131"/>
+              <a:ext cx="6027737" cy="369332"/>
+            </a:xfrm>
+            <a:prstGeom prst="rect">
+              <a:avLst/>
+            </a:prstGeom>
             <a:solidFill>
+              <a:schemeClr val="bg2"/>
+            </a:solidFill>
+          </p:spPr>
+          <p:txBody>
+            <a:bodyPr wrap="square" rtlCol="0">
+              <a:spAutoFit/>
+            </a:bodyPr>
+            <a:lstStyle/>
+            <a:p>
+              <a:pPr algn="ctr"/>
+              <a:r>
+                <a:rPr lang="ko-KR" altLang="en-US" dirty="0"/>
+                <a:t>기본 공격 유형</a:t>
+              </a:r>
+              <a:r>
+                <a:rPr lang="en-US" altLang="ko-KR" dirty="0"/>
+                <a:t>_</a:t>
+              </a:r>
+              <a:r>
+                <a:rPr lang="ko-KR" altLang="en-US" dirty="0" err="1"/>
+                <a:t>연사탄</a:t>
+              </a:r>
+              <a:r>
+                <a:rPr lang="en-US" altLang="ko-KR" dirty="0"/>
+                <a:t>(</a:t>
+              </a:r>
+              <a:r>
+                <a:rPr lang="ko-KR" altLang="en-US" dirty="0"/>
+                <a:t>난이도 </a:t>
+              </a:r>
+              <a:r>
+                <a:rPr lang="en-US" altLang="ko-KR" dirty="0"/>
+                <a:t>0)</a:t>
+              </a:r>
+              <a:endParaRPr lang="ko-KR" altLang="en-US" dirty="0"/>
+            </a:p>
+          </p:txBody>
+        </p:sp>
+        <p:sp>
+          <p:nvSpPr>
+            <p:cNvPr id="4" name="직사각형 3">
+              <a:extLst>
+                <a:ext uri="{FF2B5EF4-FFF2-40B4-BE49-F238E27FC236}">
+                  <a16:creationId xmlns:a16="http://schemas.microsoft.com/office/drawing/2014/main" id="{18D1C326-5A5E-9FE6-C2FD-155AF1469F25}"/>
+                </a:ext>
+              </a:extLst>
+            </p:cNvPr>
+            <p:cNvSpPr/>
+            <p:nvPr/>
+          </p:nvSpPr>
+          <p:spPr>
+            <a:xfrm>
+              <a:off x="5262562" y="4912880"/>
+              <a:ext cx="1362075" cy="1362075"/>
+            </a:xfrm>
+            <a:prstGeom prst="rect">
+              <a:avLst/>
+            </a:prstGeom>
+            <a:solidFill>
+              <a:schemeClr val="accent1">
+                <a:lumMod val="40000"/>
+                <a:lumOff val="60000"/>
+              </a:schemeClr>
+            </a:solidFill>
+            <a:ln>
+              <a:noFill/>
+            </a:ln>
+          </p:spPr>
+          <p:style>
+            <a:lnRef idx="2">
               <a:schemeClr val="accent1">
                 <a:shade val="15000"/>
               </a:schemeClr>
+            </a:lnRef>
+            <a:fillRef idx="1">
+              <a:schemeClr val="accent1"/>
+            </a:fillRef>
+            <a:effectRef idx="0">
+              <a:schemeClr val="accent1"/>
+            </a:effectRef>
+            <a:fontRef idx="minor">
+              <a:schemeClr val="lt1"/>
+            </a:fontRef>
+          </p:style>
+          <p:txBody>
+            <a:bodyPr rtlCol="0" anchor="ctr"/>
+            <a:lstStyle/>
+            <a:p>
+              <a:pPr algn="ctr"/>
+              <a:endParaRPr lang="ko-KR" altLang="en-US"/>
+            </a:p>
+          </p:txBody>
+        </p:sp>
+        <p:sp>
+          <p:nvSpPr>
+            <p:cNvPr id="5" name="화살표: 아래쪽 4">
+              <a:extLst>
+                <a:ext uri="{FF2B5EF4-FFF2-40B4-BE49-F238E27FC236}">
+                  <a16:creationId xmlns:a16="http://schemas.microsoft.com/office/drawing/2014/main" id="{2C0BD7FB-F847-640E-069D-C895EA7F8025}"/>
+                </a:ext>
+              </a:extLst>
+            </p:cNvPr>
+            <p:cNvSpPr/>
+            <p:nvPr/>
+          </p:nvSpPr>
+          <p:spPr>
+            <a:xfrm>
+              <a:off x="5772149" y="2584450"/>
+              <a:ext cx="342900" cy="501650"/>
+            </a:xfrm>
+            <a:prstGeom prst="downArrow">
+              <a:avLst/>
+            </a:prstGeom>
+            <a:solidFill>
+              <a:srgbClr val="FF0000"/>
             </a:solidFill>
-          </a:ln>
-        </p:spPr>
-        <p:style>
-          <a:lnRef idx="2">
-            <a:schemeClr val="accent1">
-              <a:shade val="15000"/>
-            </a:schemeClr>
-          </a:lnRef>
-          <a:fillRef idx="1">
-            <a:schemeClr val="accent1"/>
-          </a:fillRef>
-          <a:effectRef idx="0">
-            <a:schemeClr val="accent1"/>
-          </a:effectRef>
-          <a:fontRef idx="minor">
-            <a:schemeClr val="lt1"/>
-          </a:fontRef>
-        </p:style>
-        <p:txBody>
-          <a:bodyPr rtlCol="0" anchor="ctr"/>
-          <a:lstStyle/>
-          <a:p>
-            <a:pPr algn="ctr"/>
-            <a:endParaRPr lang="ko-KR" altLang="en-US"/>
-          </a:p>
-        </p:txBody>
-      </p:sp>
-      <p:sp>
-        <p:nvSpPr>
-          <p:cNvPr id="3" name="화살표: 아래쪽 2">
-            <a:extLst>
-              <a:ext uri="{FF2B5EF4-FFF2-40B4-BE49-F238E27FC236}">
-                <a16:creationId xmlns:a16="http://schemas.microsoft.com/office/drawing/2014/main" id="{892DA37E-2D96-205E-41A1-D86D119B931C}"/>
-              </a:ext>
-            </a:extLst>
-          </p:cNvPr>
-          <p:cNvSpPr/>
-          <p:nvPr/>
-        </p:nvSpPr>
-        <p:spPr>
-          <a:xfrm>
-            <a:off x="5772149" y="3178175"/>
-            <a:ext cx="342900" cy="501650"/>
-          </a:xfrm>
-          <a:prstGeom prst="downArrow">
-            <a:avLst/>
-          </a:prstGeom>
-          <a:solidFill>
-            <a:srgbClr val="FF0000"/>
-          </a:solidFill>
-          <a:ln>
+            <a:ln>
+              <a:noFill/>
+            </a:ln>
+          </p:spPr>
+          <p:style>
+            <a:lnRef idx="2">
+              <a:schemeClr val="accent1">
+                <a:shade val="15000"/>
+              </a:schemeClr>
+            </a:lnRef>
+            <a:fillRef idx="1">
+              <a:schemeClr val="accent1"/>
+            </a:fillRef>
+            <a:effectRef idx="0">
+              <a:schemeClr val="accent1"/>
+            </a:effectRef>
+            <a:fontRef idx="minor">
+              <a:schemeClr val="lt1"/>
+            </a:fontRef>
+          </p:style>
+          <p:txBody>
+            <a:bodyPr rtlCol="0" anchor="ctr"/>
+            <a:lstStyle/>
+            <a:p>
+              <a:pPr algn="ctr"/>
+              <a:endParaRPr lang="ko-KR" altLang="en-US"/>
+            </a:p>
+          </p:txBody>
+        </p:sp>
+        <p:sp>
+          <p:nvSpPr>
+            <p:cNvPr id="6" name="직사각형 5">
+              <a:extLst>
+                <a:ext uri="{FF2B5EF4-FFF2-40B4-BE49-F238E27FC236}">
+                  <a16:creationId xmlns:a16="http://schemas.microsoft.com/office/drawing/2014/main" id="{2D51A58E-EEAA-B154-B755-3EE6AC9C5B48}"/>
+                </a:ext>
+              </a:extLst>
+            </p:cNvPr>
+            <p:cNvSpPr/>
+            <p:nvPr/>
+          </p:nvSpPr>
+          <p:spPr>
+            <a:xfrm>
+              <a:off x="5355430" y="1022784"/>
+              <a:ext cx="1176338" cy="1176338"/>
+            </a:xfrm>
+            <a:prstGeom prst="rect">
+              <a:avLst/>
+            </a:prstGeom>
+            <a:solidFill>
+              <a:schemeClr val="accent3">
+                <a:lumMod val="20000"/>
+                <a:lumOff val="80000"/>
+              </a:schemeClr>
+            </a:solidFill>
+            <a:ln>
+              <a:noFill/>
+            </a:ln>
+          </p:spPr>
+          <p:style>
+            <a:lnRef idx="2">
+              <a:schemeClr val="accent1">
+                <a:shade val="15000"/>
+              </a:schemeClr>
+            </a:lnRef>
+            <a:fillRef idx="1">
+              <a:schemeClr val="accent1"/>
+            </a:fillRef>
+            <a:effectRef idx="0">
+              <a:schemeClr val="accent1"/>
+            </a:effectRef>
+            <a:fontRef idx="minor">
+              <a:schemeClr val="lt1"/>
+            </a:fontRef>
+          </p:style>
+          <p:txBody>
+            <a:bodyPr rtlCol="0" anchor="ctr"/>
+            <a:lstStyle/>
+            <a:p>
+              <a:pPr algn="ctr"/>
+              <a:endParaRPr lang="ko-KR" altLang="en-US"/>
+            </a:p>
+          </p:txBody>
+        </p:sp>
+        <p:sp>
+          <p:nvSpPr>
+            <p:cNvPr id="7" name="직사각형 6">
+              <a:extLst>
+                <a:ext uri="{FF2B5EF4-FFF2-40B4-BE49-F238E27FC236}">
+                  <a16:creationId xmlns:a16="http://schemas.microsoft.com/office/drawing/2014/main" id="{384AFA6C-AAE6-C1D4-9491-94B703097A88}"/>
+                </a:ext>
+              </a:extLst>
+            </p:cNvPr>
+            <p:cNvSpPr>
+              <a:spLocks/>
+            </p:cNvSpPr>
+            <p:nvPr/>
+          </p:nvSpPr>
+          <p:spPr>
+            <a:xfrm>
+              <a:off x="3101180" y="415131"/>
+              <a:ext cx="6027738" cy="6027738"/>
+            </a:xfrm>
+            <a:prstGeom prst="rect">
+              <a:avLst/>
+            </a:prstGeom>
             <a:noFill/>
-          </a:ln>
-        </p:spPr>
-        <p:style>
-          <a:lnRef idx="2">
-            <a:schemeClr val="accent1">
-              <a:shade val="15000"/>
-            </a:schemeClr>
-          </a:lnRef>
-          <a:fillRef idx="1">
-            <a:schemeClr val="accent1"/>
-          </a:fillRef>
-          <a:effectRef idx="0">
-            <a:schemeClr val="accent1"/>
-          </a:effectRef>
-          <a:fontRef idx="minor">
-            <a:schemeClr val="lt1"/>
-          </a:fontRef>
-        </p:style>
-        <p:txBody>
-          <a:bodyPr rtlCol="0" anchor="ctr"/>
-          <a:lstStyle/>
-          <a:p>
-            <a:pPr algn="ctr"/>
-            <a:endParaRPr lang="ko-KR" altLang="en-US"/>
-          </a:p>
-        </p:txBody>
-      </p:sp>
-      <p:sp>
-        <p:nvSpPr>
-          <p:cNvPr id="8" name="화살표: 아래쪽 7">
-            <a:extLst>
-              <a:ext uri="{FF2B5EF4-FFF2-40B4-BE49-F238E27FC236}">
-                <a16:creationId xmlns:a16="http://schemas.microsoft.com/office/drawing/2014/main" id="{DB21E779-C863-7D73-F572-AB0B65EF866F}"/>
-              </a:ext>
-            </a:extLst>
-          </p:cNvPr>
-          <p:cNvSpPr/>
-          <p:nvPr/>
-        </p:nvSpPr>
-        <p:spPr>
-          <a:xfrm>
-            <a:off x="5772149" y="3771900"/>
-            <a:ext cx="342900" cy="501650"/>
-          </a:xfrm>
-          <a:prstGeom prst="downArrow">
-            <a:avLst/>
-          </a:prstGeom>
-          <a:solidFill>
-            <a:srgbClr val="FF0000"/>
-          </a:solidFill>
-          <a:ln>
-            <a:noFill/>
-          </a:ln>
-        </p:spPr>
-        <p:style>
-          <a:lnRef idx="2">
-            <a:schemeClr val="accent1">
-              <a:shade val="15000"/>
-            </a:schemeClr>
-          </a:lnRef>
-          <a:fillRef idx="1">
-            <a:schemeClr val="accent1"/>
-          </a:fillRef>
-          <a:effectRef idx="0">
-            <a:schemeClr val="accent1"/>
-          </a:effectRef>
-          <a:fontRef idx="minor">
-            <a:schemeClr val="lt1"/>
-          </a:fontRef>
-        </p:style>
-        <p:txBody>
-          <a:bodyPr rtlCol="0" anchor="ctr"/>
-          <a:lstStyle/>
-          <a:p>
-            <a:pPr algn="ctr"/>
-            <a:endParaRPr lang="ko-KR" altLang="en-US"/>
-          </a:p>
-        </p:txBody>
-      </p:sp>
+            <a:ln>
+              <a:solidFill>
+                <a:schemeClr val="accent1">
+                  <a:shade val="15000"/>
+                </a:schemeClr>
+              </a:solidFill>
+            </a:ln>
+          </p:spPr>
+          <p:style>
+            <a:lnRef idx="2">
+              <a:schemeClr val="accent1">
+                <a:shade val="15000"/>
+              </a:schemeClr>
+            </a:lnRef>
+            <a:fillRef idx="1">
+              <a:schemeClr val="accent1"/>
+            </a:fillRef>
+            <a:effectRef idx="0">
+              <a:schemeClr val="accent1"/>
+            </a:effectRef>
+            <a:fontRef idx="minor">
+              <a:schemeClr val="lt1"/>
+            </a:fontRef>
+          </p:style>
+          <p:txBody>
+            <a:bodyPr rtlCol="0" anchor="ctr"/>
+            <a:lstStyle/>
+            <a:p>
+              <a:pPr algn="ctr"/>
+              <a:endParaRPr lang="ko-KR" altLang="en-US"/>
+            </a:p>
+          </p:txBody>
+        </p:sp>
+        <p:sp>
+          <p:nvSpPr>
+            <p:cNvPr id="3" name="화살표: 아래쪽 2">
+              <a:extLst>
+                <a:ext uri="{FF2B5EF4-FFF2-40B4-BE49-F238E27FC236}">
+                  <a16:creationId xmlns:a16="http://schemas.microsoft.com/office/drawing/2014/main" id="{892DA37E-2D96-205E-41A1-D86D119B931C}"/>
+                </a:ext>
+              </a:extLst>
+            </p:cNvPr>
+            <p:cNvSpPr/>
+            <p:nvPr/>
+          </p:nvSpPr>
+          <p:spPr>
+            <a:xfrm>
+              <a:off x="5772149" y="3178175"/>
+              <a:ext cx="342900" cy="501650"/>
+            </a:xfrm>
+            <a:prstGeom prst="downArrow">
+              <a:avLst/>
+            </a:prstGeom>
+            <a:solidFill>
+              <a:srgbClr val="FF0000"/>
+            </a:solidFill>
+            <a:ln>
+              <a:noFill/>
+            </a:ln>
+          </p:spPr>
+          <p:style>
+            <a:lnRef idx="2">
+              <a:schemeClr val="accent1">
+                <a:shade val="15000"/>
+              </a:schemeClr>
+            </a:lnRef>
+            <a:fillRef idx="1">
+              <a:schemeClr val="accent1"/>
+            </a:fillRef>
+            <a:effectRef idx="0">
+              <a:schemeClr val="accent1"/>
+            </a:effectRef>
+            <a:fontRef idx="minor">
+              <a:schemeClr val="lt1"/>
+            </a:fontRef>
+          </p:style>
+          <p:txBody>
+            <a:bodyPr rtlCol="0" anchor="ctr"/>
+            <a:lstStyle/>
+            <a:p>
+              <a:pPr algn="ctr"/>
+              <a:endParaRPr lang="ko-KR" altLang="en-US"/>
+            </a:p>
+          </p:txBody>
+        </p:sp>
+        <p:sp>
+          <p:nvSpPr>
+            <p:cNvPr id="8" name="화살표: 아래쪽 7">
+              <a:extLst>
+                <a:ext uri="{FF2B5EF4-FFF2-40B4-BE49-F238E27FC236}">
+                  <a16:creationId xmlns:a16="http://schemas.microsoft.com/office/drawing/2014/main" id="{DB21E779-C863-7D73-F572-AB0B65EF866F}"/>
+                </a:ext>
+              </a:extLst>
+            </p:cNvPr>
+            <p:cNvSpPr/>
+            <p:nvPr/>
+          </p:nvSpPr>
+          <p:spPr>
+            <a:xfrm>
+              <a:off x="5772149" y="3771900"/>
+              <a:ext cx="342900" cy="501650"/>
+            </a:xfrm>
+            <a:prstGeom prst="downArrow">
+              <a:avLst/>
+            </a:prstGeom>
+            <a:solidFill>
+              <a:srgbClr val="FF0000"/>
+            </a:solidFill>
+            <a:ln>
+              <a:noFill/>
+            </a:ln>
+          </p:spPr>
+          <p:style>
+            <a:lnRef idx="2">
+              <a:schemeClr val="accent1">
+                <a:shade val="15000"/>
+              </a:schemeClr>
+            </a:lnRef>
+            <a:fillRef idx="1">
+              <a:schemeClr val="accent1"/>
+            </a:fillRef>
+            <a:effectRef idx="0">
+              <a:schemeClr val="accent1"/>
+            </a:effectRef>
+            <a:fontRef idx="minor">
+              <a:schemeClr val="lt1"/>
+            </a:fontRef>
+          </p:style>
+          <p:txBody>
+            <a:bodyPr rtlCol="0" anchor="ctr"/>
+            <a:lstStyle/>
+            <a:p>
+              <a:pPr algn="ctr"/>
+              <a:endParaRPr lang="ko-KR" altLang="en-US"/>
+            </a:p>
+          </p:txBody>
+        </p:sp>
+      </p:grpSp>
     </p:spTree>
     <p:extLst>
       <p:ext uri="{BB962C8B-B14F-4D97-AF65-F5344CB8AC3E}">
@@ -16373,441 +15871,462 @@
           <a:chExt cx="0" cy="0"/>
         </a:xfrm>
       </p:grpSpPr>
-      <p:sp>
-        <p:nvSpPr>
-          <p:cNvPr id="2" name="TextBox 1">
-            <a:extLst>
-              <a:ext uri="{FF2B5EF4-FFF2-40B4-BE49-F238E27FC236}">
-                <a16:creationId xmlns:a16="http://schemas.microsoft.com/office/drawing/2014/main" id="{436B3F0A-08A4-1609-B242-764A5DEA6E2F}"/>
-              </a:ext>
-            </a:extLst>
-          </p:cNvPr>
-          <p:cNvSpPr txBox="1"/>
+      <p:grpSp>
+        <p:nvGrpSpPr>
+          <p:cNvPr id="3" name="그룹 2">
+            <a:extLst>
+              <a:ext uri="{FF2B5EF4-FFF2-40B4-BE49-F238E27FC236}">
+                <a16:creationId xmlns:a16="http://schemas.microsoft.com/office/drawing/2014/main" id="{5FBDA7D0-023E-0FA2-94F6-0F9F3C4A518E}"/>
+              </a:ext>
+            </a:extLst>
+          </p:cNvPr>
+          <p:cNvGrpSpPr/>
           <p:nvPr/>
-        </p:nvSpPr>
-        <p:spPr>
+        </p:nvGrpSpPr>
+        <p:grpSpPr>
           <a:xfrm>
             <a:off x="3101179" y="415131"/>
-            <a:ext cx="6027737" cy="369332"/>
-          </a:xfrm>
-          <a:prstGeom prst="rect">
-            <a:avLst/>
-          </a:prstGeom>
-          <a:solidFill>
-            <a:schemeClr val="bg2"/>
-          </a:solidFill>
-        </p:spPr>
-        <p:txBody>
-          <a:bodyPr wrap="square" rtlCol="0">
-            <a:spAutoFit/>
-          </a:bodyPr>
-          <a:lstStyle/>
-          <a:p>
-            <a:pPr algn="ctr"/>
-            <a:r>
-              <a:rPr lang="ko-KR" altLang="en-US" dirty="0"/>
-              <a:t>고급 공격 유형</a:t>
-            </a:r>
-            <a:r>
-              <a:rPr lang="en-US" altLang="ko-KR" dirty="0"/>
-              <a:t>_</a:t>
-            </a:r>
-            <a:r>
-              <a:rPr lang="ko-KR" altLang="en-US" dirty="0" err="1"/>
-              <a:t>유도탄</a:t>
-            </a:r>
-            <a:r>
-              <a:rPr lang="en-US" altLang="ko-KR" dirty="0"/>
-              <a:t>(</a:t>
-            </a:r>
-            <a:r>
-              <a:rPr lang="ko-KR" altLang="en-US" dirty="0"/>
-              <a:t>난이도 </a:t>
-            </a:r>
-            <a:r>
-              <a:rPr lang="en-US" altLang="ko-KR" dirty="0"/>
-              <a:t>1)</a:t>
-            </a:r>
-            <a:endParaRPr lang="ko-KR" altLang="en-US" dirty="0"/>
-          </a:p>
-        </p:txBody>
-      </p:sp>
-      <p:sp>
-        <p:nvSpPr>
-          <p:cNvPr id="4" name="직사각형 3">
-            <a:extLst>
-              <a:ext uri="{FF2B5EF4-FFF2-40B4-BE49-F238E27FC236}">
-                <a16:creationId xmlns:a16="http://schemas.microsoft.com/office/drawing/2014/main" id="{70DDB21C-7B49-79E5-48AA-02E9D6C2F502}"/>
-              </a:ext>
-            </a:extLst>
-          </p:cNvPr>
-          <p:cNvSpPr/>
-          <p:nvPr/>
-        </p:nvSpPr>
-        <p:spPr>
-          <a:xfrm>
-            <a:off x="6383087" y="4977535"/>
-            <a:ext cx="1362075" cy="1362075"/>
-          </a:xfrm>
-          <a:prstGeom prst="rect">
-            <a:avLst/>
-          </a:prstGeom>
-          <a:solidFill>
-            <a:schemeClr val="accent1">
-              <a:lumMod val="40000"/>
-              <a:lumOff val="60000"/>
-              <a:alpha val="50000"/>
-            </a:schemeClr>
-          </a:solidFill>
-          <a:ln>
+            <a:ext cx="6027739" cy="6027738"/>
+            <a:chOff x="3101179" y="415131"/>
+            <a:chExt cx="6027739" cy="6027738"/>
+          </a:xfrm>
+        </p:grpSpPr>
+        <p:sp>
+          <p:nvSpPr>
+            <p:cNvPr id="2" name="TextBox 1">
+              <a:extLst>
+                <a:ext uri="{FF2B5EF4-FFF2-40B4-BE49-F238E27FC236}">
+                  <a16:creationId xmlns:a16="http://schemas.microsoft.com/office/drawing/2014/main" id="{436B3F0A-08A4-1609-B242-764A5DEA6E2F}"/>
+                </a:ext>
+              </a:extLst>
+            </p:cNvPr>
+            <p:cNvSpPr txBox="1"/>
+            <p:nvPr/>
+          </p:nvSpPr>
+          <p:spPr>
+            <a:xfrm>
+              <a:off x="3101179" y="415131"/>
+              <a:ext cx="6027737" cy="369332"/>
+            </a:xfrm>
+            <a:prstGeom prst="rect">
+              <a:avLst/>
+            </a:prstGeom>
             <a:solidFill>
-              <a:schemeClr val="tx1"/>
+              <a:schemeClr val="bg2"/>
             </a:solidFill>
-            <a:prstDash val="dash"/>
-          </a:ln>
-        </p:spPr>
-        <p:style>
-          <a:lnRef idx="2">
-            <a:schemeClr val="accent1">
-              <a:shade val="15000"/>
-            </a:schemeClr>
-          </a:lnRef>
-          <a:fillRef idx="1">
-            <a:schemeClr val="accent1"/>
-          </a:fillRef>
-          <a:effectRef idx="0">
-            <a:schemeClr val="accent1"/>
-          </a:effectRef>
-          <a:fontRef idx="minor">
-            <a:schemeClr val="lt1"/>
-          </a:fontRef>
-        </p:style>
-        <p:txBody>
-          <a:bodyPr rtlCol="0" anchor="ctr"/>
-          <a:lstStyle/>
-          <a:p>
-            <a:pPr algn="ctr"/>
-            <a:endParaRPr lang="ko-KR" altLang="en-US"/>
-          </a:p>
-        </p:txBody>
-      </p:sp>
-      <p:sp>
-        <p:nvSpPr>
-          <p:cNvPr id="5" name="화살표: 아래쪽 4">
-            <a:extLst>
-              <a:ext uri="{FF2B5EF4-FFF2-40B4-BE49-F238E27FC236}">
-                <a16:creationId xmlns:a16="http://schemas.microsoft.com/office/drawing/2014/main" id="{0D0C05FE-39B4-6006-55B4-28DDF7CB2FE7}"/>
-              </a:ext>
-            </a:extLst>
-          </p:cNvPr>
-          <p:cNvSpPr/>
-          <p:nvPr/>
-        </p:nvSpPr>
-        <p:spPr>
-          <a:xfrm rot="725309">
-            <a:off x="7132920" y="2304724"/>
-            <a:ext cx="342900" cy="2344242"/>
-          </a:xfrm>
-          <a:prstGeom prst="downArrow">
-            <a:avLst/>
-          </a:prstGeom>
-          <a:solidFill>
-            <a:srgbClr val="FF0000">
-              <a:alpha val="39000"/>
-            </a:srgbClr>
-          </a:solidFill>
-          <a:ln>
+          </p:spPr>
+          <p:txBody>
+            <a:bodyPr wrap="square" rtlCol="0">
+              <a:spAutoFit/>
+            </a:bodyPr>
+            <a:lstStyle/>
+            <a:p>
+              <a:pPr algn="ctr"/>
+              <a:r>
+                <a:rPr lang="ko-KR" altLang="en-US" dirty="0"/>
+                <a:t>고급 공격 유형</a:t>
+              </a:r>
+              <a:r>
+                <a:rPr lang="en-US" altLang="ko-KR" dirty="0"/>
+                <a:t>_</a:t>
+              </a:r>
+              <a:r>
+                <a:rPr lang="ko-KR" altLang="en-US" dirty="0" err="1"/>
+                <a:t>유도탄</a:t>
+              </a:r>
+              <a:r>
+                <a:rPr lang="en-US" altLang="ko-KR" dirty="0"/>
+                <a:t>(</a:t>
+              </a:r>
+              <a:r>
+                <a:rPr lang="ko-KR" altLang="en-US" dirty="0"/>
+                <a:t>난이도 </a:t>
+              </a:r>
+              <a:r>
+                <a:rPr lang="en-US" altLang="ko-KR" dirty="0"/>
+                <a:t>1)</a:t>
+              </a:r>
+              <a:endParaRPr lang="ko-KR" altLang="en-US" dirty="0"/>
+            </a:p>
+          </p:txBody>
+        </p:sp>
+        <p:sp>
+          <p:nvSpPr>
+            <p:cNvPr id="4" name="직사각형 3">
+              <a:extLst>
+                <a:ext uri="{FF2B5EF4-FFF2-40B4-BE49-F238E27FC236}">
+                  <a16:creationId xmlns:a16="http://schemas.microsoft.com/office/drawing/2014/main" id="{70DDB21C-7B49-79E5-48AA-02E9D6C2F502}"/>
+                </a:ext>
+              </a:extLst>
+            </p:cNvPr>
+            <p:cNvSpPr/>
+            <p:nvPr/>
+          </p:nvSpPr>
+          <p:spPr>
+            <a:xfrm>
+              <a:off x="6383087" y="4977535"/>
+              <a:ext cx="1362075" cy="1362075"/>
+            </a:xfrm>
+            <a:prstGeom prst="rect">
+              <a:avLst/>
+            </a:prstGeom>
             <a:solidFill>
-              <a:schemeClr val="tx1"/>
+              <a:schemeClr val="accent1">
+                <a:lumMod val="40000"/>
+                <a:lumOff val="60000"/>
+                <a:alpha val="50000"/>
+              </a:schemeClr>
             </a:solidFill>
-            <a:prstDash val="sysDash"/>
-          </a:ln>
-        </p:spPr>
-        <p:style>
-          <a:lnRef idx="2">
-            <a:schemeClr val="accent1">
-              <a:shade val="15000"/>
-            </a:schemeClr>
-          </a:lnRef>
-          <a:fillRef idx="1">
-            <a:schemeClr val="accent1"/>
-          </a:fillRef>
-          <a:effectRef idx="0">
-            <a:schemeClr val="accent1"/>
-          </a:effectRef>
-          <a:fontRef idx="minor">
-            <a:schemeClr val="lt1"/>
-          </a:fontRef>
-        </p:style>
-        <p:txBody>
-          <a:bodyPr rtlCol="0" anchor="ctr"/>
-          <a:lstStyle/>
-          <a:p>
-            <a:pPr algn="ctr"/>
-            <a:endParaRPr lang="ko-KR" altLang="en-US"/>
-          </a:p>
-        </p:txBody>
-      </p:sp>
-      <p:sp>
-        <p:nvSpPr>
-          <p:cNvPr id="6" name="직사각형 5">
-            <a:extLst>
-              <a:ext uri="{FF2B5EF4-FFF2-40B4-BE49-F238E27FC236}">
-                <a16:creationId xmlns:a16="http://schemas.microsoft.com/office/drawing/2014/main" id="{B9836933-9FB9-35FE-B959-A39229BBB78F}"/>
-              </a:ext>
-            </a:extLst>
-          </p:cNvPr>
-          <p:cNvSpPr/>
-          <p:nvPr/>
-        </p:nvSpPr>
-        <p:spPr>
-          <a:xfrm>
-            <a:off x="7036448" y="1022784"/>
-            <a:ext cx="1176338" cy="1176338"/>
-          </a:xfrm>
-          <a:prstGeom prst="rect">
-            <a:avLst/>
-          </a:prstGeom>
-          <a:solidFill>
-            <a:schemeClr val="accent3">
-              <a:lumMod val="20000"/>
-              <a:lumOff val="80000"/>
-            </a:schemeClr>
-          </a:solidFill>
-          <a:ln>
-            <a:noFill/>
-          </a:ln>
-        </p:spPr>
-        <p:style>
-          <a:lnRef idx="2">
-            <a:schemeClr val="accent1">
-              <a:shade val="15000"/>
-            </a:schemeClr>
-          </a:lnRef>
-          <a:fillRef idx="1">
-            <a:schemeClr val="accent1"/>
-          </a:fillRef>
-          <a:effectRef idx="0">
-            <a:schemeClr val="accent1"/>
-          </a:effectRef>
-          <a:fontRef idx="minor">
-            <a:schemeClr val="lt1"/>
-          </a:fontRef>
-        </p:style>
-        <p:txBody>
-          <a:bodyPr rtlCol="0" anchor="ctr"/>
-          <a:lstStyle/>
-          <a:p>
-            <a:pPr algn="ctr"/>
-            <a:endParaRPr lang="ko-KR" altLang="en-US"/>
-          </a:p>
-        </p:txBody>
-      </p:sp>
-      <p:sp>
-        <p:nvSpPr>
-          <p:cNvPr id="7" name="직사각형 6">
-            <a:extLst>
-              <a:ext uri="{FF2B5EF4-FFF2-40B4-BE49-F238E27FC236}">
-                <a16:creationId xmlns:a16="http://schemas.microsoft.com/office/drawing/2014/main" id="{4EA74FB4-D955-1234-D9DA-4D612A47DCDC}"/>
-              </a:ext>
-            </a:extLst>
-          </p:cNvPr>
-          <p:cNvSpPr>
-            <a:spLocks/>
-          </p:cNvSpPr>
-          <p:nvPr/>
-        </p:nvSpPr>
-        <p:spPr>
-          <a:xfrm>
-            <a:off x="3101180" y="415131"/>
-            <a:ext cx="6027738" cy="6027738"/>
-          </a:xfrm>
-          <a:prstGeom prst="rect">
-            <a:avLst/>
-          </a:prstGeom>
-          <a:noFill/>
-          <a:ln>
-            <a:solidFill>
+            <a:ln>
+              <a:solidFill>
+                <a:schemeClr val="tx1"/>
+              </a:solidFill>
+              <a:prstDash val="dash"/>
+            </a:ln>
+          </p:spPr>
+          <p:style>
+            <a:lnRef idx="2">
               <a:schemeClr val="accent1">
                 <a:shade val="15000"/>
               </a:schemeClr>
+            </a:lnRef>
+            <a:fillRef idx="1">
+              <a:schemeClr val="accent1"/>
+            </a:fillRef>
+            <a:effectRef idx="0">
+              <a:schemeClr val="accent1"/>
+            </a:effectRef>
+            <a:fontRef idx="minor">
+              <a:schemeClr val="lt1"/>
+            </a:fontRef>
+          </p:style>
+          <p:txBody>
+            <a:bodyPr rtlCol="0" anchor="ctr"/>
+            <a:lstStyle/>
+            <a:p>
+              <a:pPr algn="ctr"/>
+              <a:endParaRPr lang="ko-KR" altLang="en-US"/>
+            </a:p>
+          </p:txBody>
+        </p:sp>
+        <p:sp>
+          <p:nvSpPr>
+            <p:cNvPr id="5" name="화살표: 아래쪽 4">
+              <a:extLst>
+                <a:ext uri="{FF2B5EF4-FFF2-40B4-BE49-F238E27FC236}">
+                  <a16:creationId xmlns:a16="http://schemas.microsoft.com/office/drawing/2014/main" id="{0D0C05FE-39B4-6006-55B4-28DDF7CB2FE7}"/>
+                </a:ext>
+              </a:extLst>
+            </p:cNvPr>
+            <p:cNvSpPr/>
+            <p:nvPr/>
+          </p:nvSpPr>
+          <p:spPr>
+            <a:xfrm rot="725309">
+              <a:off x="7132920" y="2304724"/>
+              <a:ext cx="342900" cy="2344242"/>
+            </a:xfrm>
+            <a:prstGeom prst="downArrow">
+              <a:avLst/>
+            </a:prstGeom>
+            <a:solidFill>
+              <a:srgbClr val="FF0000">
+                <a:alpha val="39000"/>
+              </a:srgbClr>
             </a:solidFill>
-          </a:ln>
-        </p:spPr>
-        <p:style>
-          <a:lnRef idx="2">
-            <a:schemeClr val="accent1">
-              <a:shade val="15000"/>
-            </a:schemeClr>
-          </a:lnRef>
-          <a:fillRef idx="1">
-            <a:schemeClr val="accent1"/>
-          </a:fillRef>
-          <a:effectRef idx="0">
-            <a:schemeClr val="accent1"/>
-          </a:effectRef>
-          <a:fontRef idx="minor">
-            <a:schemeClr val="lt1"/>
-          </a:fontRef>
-        </p:style>
-        <p:txBody>
-          <a:bodyPr rtlCol="0" anchor="ctr"/>
-          <a:lstStyle/>
-          <a:p>
-            <a:pPr algn="ctr"/>
-            <a:endParaRPr lang="ko-KR" altLang="en-US"/>
-          </a:p>
-        </p:txBody>
-      </p:sp>
-      <p:sp>
-        <p:nvSpPr>
-          <p:cNvPr id="10" name="화살표: 아래쪽 9">
-            <a:extLst>
-              <a:ext uri="{FF2B5EF4-FFF2-40B4-BE49-F238E27FC236}">
-                <a16:creationId xmlns:a16="http://schemas.microsoft.com/office/drawing/2014/main" id="{78C56622-E137-9111-5267-8685441CBD91}"/>
-              </a:ext>
-            </a:extLst>
-          </p:cNvPr>
-          <p:cNvSpPr/>
-          <p:nvPr/>
-        </p:nvSpPr>
-        <p:spPr>
-          <a:xfrm rot="3263130">
-            <a:off x="6077618" y="2779439"/>
-            <a:ext cx="342900" cy="2598724"/>
-          </a:xfrm>
-          <a:prstGeom prst="downArrow">
-            <a:avLst/>
-          </a:prstGeom>
-          <a:solidFill>
-            <a:srgbClr val="FF0000"/>
-          </a:solidFill>
-          <a:ln>
+            <a:ln>
+              <a:solidFill>
+                <a:schemeClr val="tx1"/>
+              </a:solidFill>
+              <a:prstDash val="sysDash"/>
+            </a:ln>
+          </p:spPr>
+          <p:style>
+            <a:lnRef idx="2">
+              <a:schemeClr val="accent1">
+                <a:shade val="15000"/>
+              </a:schemeClr>
+            </a:lnRef>
+            <a:fillRef idx="1">
+              <a:schemeClr val="accent1"/>
+            </a:fillRef>
+            <a:effectRef idx="0">
+              <a:schemeClr val="accent1"/>
+            </a:effectRef>
+            <a:fontRef idx="minor">
+              <a:schemeClr val="lt1"/>
+            </a:fontRef>
+          </p:style>
+          <p:txBody>
+            <a:bodyPr rtlCol="0" anchor="ctr"/>
+            <a:lstStyle/>
+            <a:p>
+              <a:pPr algn="ctr"/>
+              <a:endParaRPr lang="ko-KR" altLang="en-US"/>
+            </a:p>
+          </p:txBody>
+        </p:sp>
+        <p:sp>
+          <p:nvSpPr>
+            <p:cNvPr id="6" name="직사각형 5">
+              <a:extLst>
+                <a:ext uri="{FF2B5EF4-FFF2-40B4-BE49-F238E27FC236}">
+                  <a16:creationId xmlns:a16="http://schemas.microsoft.com/office/drawing/2014/main" id="{B9836933-9FB9-35FE-B959-A39229BBB78F}"/>
+                </a:ext>
+              </a:extLst>
+            </p:cNvPr>
+            <p:cNvSpPr/>
+            <p:nvPr/>
+          </p:nvSpPr>
+          <p:spPr>
+            <a:xfrm>
+              <a:off x="7036448" y="1022784"/>
+              <a:ext cx="1176338" cy="1176338"/>
+            </a:xfrm>
+            <a:prstGeom prst="rect">
+              <a:avLst/>
+            </a:prstGeom>
+            <a:solidFill>
+              <a:schemeClr val="accent3">
+                <a:lumMod val="20000"/>
+                <a:lumOff val="80000"/>
+              </a:schemeClr>
+            </a:solidFill>
+            <a:ln>
+              <a:noFill/>
+            </a:ln>
+          </p:spPr>
+          <p:style>
+            <a:lnRef idx="2">
+              <a:schemeClr val="accent1">
+                <a:shade val="15000"/>
+              </a:schemeClr>
+            </a:lnRef>
+            <a:fillRef idx="1">
+              <a:schemeClr val="accent1"/>
+            </a:fillRef>
+            <a:effectRef idx="0">
+              <a:schemeClr val="accent1"/>
+            </a:effectRef>
+            <a:fontRef idx="minor">
+              <a:schemeClr val="lt1"/>
+            </a:fontRef>
+          </p:style>
+          <p:txBody>
+            <a:bodyPr rtlCol="0" anchor="ctr"/>
+            <a:lstStyle/>
+            <a:p>
+              <a:pPr algn="ctr"/>
+              <a:endParaRPr lang="ko-KR" altLang="en-US"/>
+            </a:p>
+          </p:txBody>
+        </p:sp>
+        <p:sp>
+          <p:nvSpPr>
+            <p:cNvPr id="7" name="직사각형 6">
+              <a:extLst>
+                <a:ext uri="{FF2B5EF4-FFF2-40B4-BE49-F238E27FC236}">
+                  <a16:creationId xmlns:a16="http://schemas.microsoft.com/office/drawing/2014/main" id="{4EA74FB4-D955-1234-D9DA-4D612A47DCDC}"/>
+                </a:ext>
+              </a:extLst>
+            </p:cNvPr>
+            <p:cNvSpPr>
+              <a:spLocks/>
+            </p:cNvSpPr>
+            <p:nvPr/>
+          </p:nvSpPr>
+          <p:spPr>
+            <a:xfrm>
+              <a:off x="3101180" y="415131"/>
+              <a:ext cx="6027738" cy="6027738"/>
+            </a:xfrm>
+            <a:prstGeom prst="rect">
+              <a:avLst/>
+            </a:prstGeom>
             <a:noFill/>
-          </a:ln>
-        </p:spPr>
-        <p:style>
-          <a:lnRef idx="2">
-            <a:schemeClr val="accent1">
-              <a:shade val="15000"/>
-            </a:schemeClr>
-          </a:lnRef>
-          <a:fillRef idx="1">
-            <a:schemeClr val="accent1"/>
-          </a:fillRef>
-          <a:effectRef idx="0">
-            <a:schemeClr val="accent1"/>
-          </a:effectRef>
-          <a:fontRef idx="minor">
-            <a:schemeClr val="lt1"/>
-          </a:fontRef>
-        </p:style>
-        <p:txBody>
-          <a:bodyPr rtlCol="0" anchor="ctr"/>
-          <a:lstStyle/>
-          <a:p>
-            <a:pPr algn="ctr"/>
-            <a:endParaRPr lang="ko-KR" altLang="en-US"/>
-          </a:p>
-        </p:txBody>
-      </p:sp>
-      <p:sp>
-        <p:nvSpPr>
-          <p:cNvPr id="11" name="직사각형 10">
-            <a:extLst>
-              <a:ext uri="{FF2B5EF4-FFF2-40B4-BE49-F238E27FC236}">
-                <a16:creationId xmlns:a16="http://schemas.microsoft.com/office/drawing/2014/main" id="{88D07C5D-3C9D-2114-4E18-297D9447DAF4}"/>
-              </a:ext>
-            </a:extLst>
-          </p:cNvPr>
-          <p:cNvSpPr/>
-          <p:nvPr/>
-        </p:nvSpPr>
-        <p:spPr>
-          <a:xfrm>
-            <a:off x="4025149" y="4974838"/>
-            <a:ext cx="1362075" cy="1362075"/>
-          </a:xfrm>
-          <a:prstGeom prst="rect">
-            <a:avLst/>
-          </a:prstGeom>
-          <a:solidFill>
-            <a:schemeClr val="accent1">
-              <a:lumMod val="40000"/>
-              <a:lumOff val="60000"/>
-            </a:schemeClr>
-          </a:solidFill>
-          <a:ln>
-            <a:noFill/>
-          </a:ln>
-        </p:spPr>
-        <p:style>
-          <a:lnRef idx="2">
-            <a:schemeClr val="accent1">
-              <a:shade val="15000"/>
-            </a:schemeClr>
-          </a:lnRef>
-          <a:fillRef idx="1">
-            <a:schemeClr val="accent1"/>
-          </a:fillRef>
-          <a:effectRef idx="0">
-            <a:schemeClr val="accent1"/>
-          </a:effectRef>
-          <a:fontRef idx="minor">
-            <a:schemeClr val="lt1"/>
-          </a:fontRef>
-        </p:style>
-        <p:txBody>
-          <a:bodyPr rtlCol="0" anchor="ctr"/>
-          <a:lstStyle/>
-          <a:p>
-            <a:pPr algn="ctr"/>
-            <a:endParaRPr lang="ko-KR" altLang="en-US"/>
-          </a:p>
-        </p:txBody>
-      </p:sp>
-      <p:cxnSp>
-        <p:nvCxnSpPr>
-          <p:cNvPr id="13" name="직선 화살표 연결선 12">
-            <a:extLst>
-              <a:ext uri="{FF2B5EF4-FFF2-40B4-BE49-F238E27FC236}">
-                <a16:creationId xmlns:a16="http://schemas.microsoft.com/office/drawing/2014/main" id="{4DD32EB2-A44E-B968-7DBB-748C95C4CC05}"/>
-              </a:ext>
-            </a:extLst>
-          </p:cNvPr>
-          <p:cNvCxnSpPr/>
-          <p:nvPr/>
-        </p:nvCxnSpPr>
-        <p:spPr>
-          <a:xfrm flipH="1">
-            <a:off x="5504873" y="5655875"/>
-            <a:ext cx="744195" cy="0"/>
-          </a:xfrm>
-          <a:prstGeom prst="straightConnector1">
-            <a:avLst/>
-          </a:prstGeom>
-          <a:ln>
+            <a:ln>
+              <a:solidFill>
+                <a:schemeClr val="accent1">
+                  <a:shade val="15000"/>
+                </a:schemeClr>
+              </a:solidFill>
+            </a:ln>
+          </p:spPr>
+          <p:style>
+            <a:lnRef idx="2">
+              <a:schemeClr val="accent1">
+                <a:shade val="15000"/>
+              </a:schemeClr>
+            </a:lnRef>
+            <a:fillRef idx="1">
+              <a:schemeClr val="accent1"/>
+            </a:fillRef>
+            <a:effectRef idx="0">
+              <a:schemeClr val="accent1"/>
+            </a:effectRef>
+            <a:fontRef idx="minor">
+              <a:schemeClr val="lt1"/>
+            </a:fontRef>
+          </p:style>
+          <p:txBody>
+            <a:bodyPr rtlCol="0" anchor="ctr"/>
+            <a:lstStyle/>
+            <a:p>
+              <a:pPr algn="ctr"/>
+              <a:endParaRPr lang="ko-KR" altLang="en-US"/>
+            </a:p>
+          </p:txBody>
+        </p:sp>
+        <p:sp>
+          <p:nvSpPr>
+            <p:cNvPr id="10" name="화살표: 아래쪽 9">
+              <a:extLst>
+                <a:ext uri="{FF2B5EF4-FFF2-40B4-BE49-F238E27FC236}">
+                  <a16:creationId xmlns:a16="http://schemas.microsoft.com/office/drawing/2014/main" id="{78C56622-E137-9111-5267-8685441CBD91}"/>
+                </a:ext>
+              </a:extLst>
+            </p:cNvPr>
+            <p:cNvSpPr/>
+            <p:nvPr/>
+          </p:nvSpPr>
+          <p:spPr>
+            <a:xfrm rot="3263130">
+              <a:off x="6077618" y="2779439"/>
+              <a:ext cx="342900" cy="2598724"/>
+            </a:xfrm>
+            <a:prstGeom prst="downArrow">
+              <a:avLst/>
+            </a:prstGeom>
             <a:solidFill>
+              <a:srgbClr val="FF0000"/>
+            </a:solidFill>
+            <a:ln>
+              <a:noFill/>
+            </a:ln>
+          </p:spPr>
+          <p:style>
+            <a:lnRef idx="2">
+              <a:schemeClr val="accent1">
+                <a:shade val="15000"/>
+              </a:schemeClr>
+            </a:lnRef>
+            <a:fillRef idx="1">
+              <a:schemeClr val="accent1"/>
+            </a:fillRef>
+            <a:effectRef idx="0">
+              <a:schemeClr val="accent1"/>
+            </a:effectRef>
+            <a:fontRef idx="minor">
+              <a:schemeClr val="lt1"/>
+            </a:fontRef>
+          </p:style>
+          <p:txBody>
+            <a:bodyPr rtlCol="0" anchor="ctr"/>
+            <a:lstStyle/>
+            <a:p>
+              <a:pPr algn="ctr"/>
+              <a:endParaRPr lang="ko-KR" altLang="en-US"/>
+            </a:p>
+          </p:txBody>
+        </p:sp>
+        <p:sp>
+          <p:nvSpPr>
+            <p:cNvPr id="11" name="직사각형 10">
+              <a:extLst>
+                <a:ext uri="{FF2B5EF4-FFF2-40B4-BE49-F238E27FC236}">
+                  <a16:creationId xmlns:a16="http://schemas.microsoft.com/office/drawing/2014/main" id="{88D07C5D-3C9D-2114-4E18-297D9447DAF4}"/>
+                </a:ext>
+              </a:extLst>
+            </p:cNvPr>
+            <p:cNvSpPr/>
+            <p:nvPr/>
+          </p:nvSpPr>
+          <p:spPr>
+            <a:xfrm>
+              <a:off x="4025149" y="4974838"/>
+              <a:ext cx="1362075" cy="1362075"/>
+            </a:xfrm>
+            <a:prstGeom prst="rect">
+              <a:avLst/>
+            </a:prstGeom>
+            <a:solidFill>
+              <a:schemeClr val="accent1">
+                <a:lumMod val="40000"/>
+                <a:lumOff val="60000"/>
+              </a:schemeClr>
+            </a:solidFill>
+            <a:ln>
+              <a:noFill/>
+            </a:ln>
+          </p:spPr>
+          <p:style>
+            <a:lnRef idx="2">
+              <a:schemeClr val="accent1">
+                <a:shade val="15000"/>
+              </a:schemeClr>
+            </a:lnRef>
+            <a:fillRef idx="1">
+              <a:schemeClr val="accent1"/>
+            </a:fillRef>
+            <a:effectRef idx="0">
+              <a:schemeClr val="accent1"/>
+            </a:effectRef>
+            <a:fontRef idx="minor">
+              <a:schemeClr val="lt1"/>
+            </a:fontRef>
+          </p:style>
+          <p:txBody>
+            <a:bodyPr rtlCol="0" anchor="ctr"/>
+            <a:lstStyle/>
+            <a:p>
+              <a:pPr algn="ctr"/>
+              <a:endParaRPr lang="ko-KR" altLang="en-US"/>
+            </a:p>
+          </p:txBody>
+        </p:sp>
+        <p:cxnSp>
+          <p:nvCxnSpPr>
+            <p:cNvPr id="13" name="직선 화살표 연결선 12">
+              <a:extLst>
+                <a:ext uri="{FF2B5EF4-FFF2-40B4-BE49-F238E27FC236}">
+                  <a16:creationId xmlns:a16="http://schemas.microsoft.com/office/drawing/2014/main" id="{4DD32EB2-A44E-B968-7DBB-748C95C4CC05}"/>
+                </a:ext>
+              </a:extLst>
+            </p:cNvPr>
+            <p:cNvCxnSpPr/>
+            <p:nvPr/>
+          </p:nvCxnSpPr>
+          <p:spPr>
+            <a:xfrm flipH="1">
+              <a:off x="5504873" y="5655875"/>
+              <a:ext cx="744195" cy="0"/>
+            </a:xfrm>
+            <a:prstGeom prst="straightConnector1">
+              <a:avLst/>
+            </a:prstGeom>
+            <a:ln>
+              <a:solidFill>
+                <a:schemeClr val="tx1"/>
+              </a:solidFill>
+              <a:tailEnd type="triangle"/>
+            </a:ln>
+          </p:spPr>
+          <p:style>
+            <a:lnRef idx="2">
+              <a:schemeClr val="accent1"/>
+            </a:lnRef>
+            <a:fillRef idx="0">
+              <a:schemeClr val="accent1"/>
+            </a:fillRef>
+            <a:effectRef idx="1">
+              <a:schemeClr val="accent1"/>
+            </a:effectRef>
+            <a:fontRef idx="minor">
               <a:schemeClr val="tx1"/>
-            </a:solidFill>
-            <a:tailEnd type="triangle"/>
-          </a:ln>
-        </p:spPr>
-        <p:style>
-          <a:lnRef idx="2">
-            <a:schemeClr val="accent1"/>
-          </a:lnRef>
-          <a:fillRef idx="0">
-            <a:schemeClr val="accent1"/>
-          </a:fillRef>
-          <a:effectRef idx="1">
-            <a:schemeClr val="accent1"/>
-          </a:effectRef>
-          <a:fontRef idx="minor">
-            <a:schemeClr val="tx1"/>
-          </a:fontRef>
-        </p:style>
-      </p:cxnSp>
+            </a:fontRef>
+          </p:style>
+        </p:cxnSp>
+      </p:grpSp>
     </p:spTree>
     <p:extLst>
       <p:ext uri="{BB962C8B-B14F-4D97-AF65-F5344CB8AC3E}">
